--- a/document/围棋.pptx
+++ b/document/围棋.pptx
@@ -5,14 +5,18 @@
     <p:sldMasterId id="2147483648" r:id="rId1"/>
   </p:sldMasterIdLst>
   <p:notesMasterIdLst>
-    <p:notesMasterId r:id="rId7"/>
+    <p:notesMasterId r:id="rId11"/>
   </p:notesMasterIdLst>
   <p:sldIdLst>
     <p:sldId id="303" r:id="rId2"/>
-    <p:sldId id="302" r:id="rId3"/>
-    <p:sldId id="304" r:id="rId4"/>
-    <p:sldId id="305" r:id="rId5"/>
-    <p:sldId id="306" r:id="rId6"/>
+    <p:sldId id="307" r:id="rId3"/>
+    <p:sldId id="302" r:id="rId4"/>
+    <p:sldId id="304" r:id="rId5"/>
+    <p:sldId id="305" r:id="rId6"/>
+    <p:sldId id="306" r:id="rId7"/>
+    <p:sldId id="308" r:id="rId8"/>
+    <p:sldId id="309" r:id="rId9"/>
+    <p:sldId id="310" r:id="rId10"/>
   </p:sldIdLst>
   <p:sldSz cx="12192000" cy="6858000"/>
   <p:notesSz cx="6858000" cy="9144000"/>
@@ -201,7 +205,7 @@
           <a:p>
             <a:fld id="{97FEEEE2-532F-49F7-9A56-14492CCAF2F3}" type="datetimeFigureOut">
               <a:rPr lang="zh-CN" altLang="en-US" smtClean="0"/>
-              <a:t>2023/6/7</a:t>
+              <a:t>2023/6/8</a:t>
             </a:fld>
             <a:endParaRPr lang="zh-CN" altLang="en-US"/>
           </a:p>
@@ -552,6 +556,182 @@
 </p:notes>
 </file>
 
+<file path=ppt/notesSlides/notesSlide2.xml><?xml version="1.0" encoding="utf-8"?>
+<p:notes xmlns:a="http://schemas.openxmlformats.org/drawingml/2006/main" xmlns:r="http://schemas.openxmlformats.org/officeDocument/2006/relationships" xmlns:p="http://schemas.openxmlformats.org/presentationml/2006/main">
+  <p:cSld>
+    <p:spTree>
+      <p:nvGrpSpPr>
+        <p:cNvPr id="1" name=""/>
+        <p:cNvGrpSpPr/>
+        <p:nvPr/>
+      </p:nvGrpSpPr>
+      <p:grpSpPr>
+        <a:xfrm>
+          <a:off x="0" y="0"/>
+          <a:ext cx="0" cy="0"/>
+          <a:chOff x="0" y="0"/>
+          <a:chExt cx="0" cy="0"/>
+        </a:xfrm>
+      </p:grpSpPr>
+      <p:sp>
+        <p:nvSpPr>
+          <p:cNvPr id="2" name="幻灯片图像占位符 1"/>
+          <p:cNvSpPr>
+            <a:spLocks noGrp="1" noRot="1" noChangeAspect="1"/>
+          </p:cNvSpPr>
+          <p:nvPr>
+            <p:ph type="sldImg"/>
+          </p:nvPr>
+        </p:nvSpPr>
+        <p:spPr/>
+      </p:sp>
+      <p:sp>
+        <p:nvSpPr>
+          <p:cNvPr id="3" name="备注占位符 2"/>
+          <p:cNvSpPr>
+            <a:spLocks noGrp="1"/>
+          </p:cNvSpPr>
+          <p:nvPr>
+            <p:ph type="body" idx="1"/>
+          </p:nvPr>
+        </p:nvSpPr>
+        <p:spPr/>
+        <p:txBody>
+          <a:bodyPr/>
+          <a:lstStyle/>
+          <a:p>
+            <a:r>
+              <a:rPr lang="en-US" altLang="zh-CN" dirty="0"/>
+              <a:t>  </a:t>
+            </a:r>
+            <a:endParaRPr lang="zh-CN" altLang="en-US" dirty="0"/>
+          </a:p>
+        </p:txBody>
+      </p:sp>
+      <p:sp>
+        <p:nvSpPr>
+          <p:cNvPr id="4" name="灯片编号占位符 3"/>
+          <p:cNvSpPr>
+            <a:spLocks noGrp="1"/>
+          </p:cNvSpPr>
+          <p:nvPr>
+            <p:ph type="sldNum" sz="quarter" idx="5"/>
+          </p:nvPr>
+        </p:nvSpPr>
+        <p:spPr/>
+        <p:txBody>
+          <a:bodyPr/>
+          <a:lstStyle/>
+          <a:p>
+            <a:fld id="{BAAC25BF-BEDC-4CF7-B3C4-C7A509942CE7}" type="slidenum">
+              <a:rPr lang="zh-CN" altLang="en-US" smtClean="0"/>
+              <a:t>7</a:t>
+            </a:fld>
+            <a:endParaRPr lang="zh-CN" altLang="en-US"/>
+          </a:p>
+        </p:txBody>
+      </p:sp>
+    </p:spTree>
+    <p:extLst>
+      <p:ext uri="{BB962C8B-B14F-4D97-AF65-F5344CB8AC3E}">
+        <p14:creationId xmlns:p14="http://schemas.microsoft.com/office/powerpoint/2010/main" val="4067886625"/>
+      </p:ext>
+    </p:extLst>
+  </p:cSld>
+  <p:clrMapOvr>
+    <a:masterClrMapping/>
+  </p:clrMapOvr>
+</p:notes>
+</file>
+
+<file path=ppt/notesSlides/notesSlide3.xml><?xml version="1.0" encoding="utf-8"?>
+<p:notes xmlns:a="http://schemas.openxmlformats.org/drawingml/2006/main" xmlns:r="http://schemas.openxmlformats.org/officeDocument/2006/relationships" xmlns:p="http://schemas.openxmlformats.org/presentationml/2006/main">
+  <p:cSld>
+    <p:spTree>
+      <p:nvGrpSpPr>
+        <p:cNvPr id="1" name=""/>
+        <p:cNvGrpSpPr/>
+        <p:nvPr/>
+      </p:nvGrpSpPr>
+      <p:grpSpPr>
+        <a:xfrm>
+          <a:off x="0" y="0"/>
+          <a:ext cx="0" cy="0"/>
+          <a:chOff x="0" y="0"/>
+          <a:chExt cx="0" cy="0"/>
+        </a:xfrm>
+      </p:grpSpPr>
+      <p:sp>
+        <p:nvSpPr>
+          <p:cNvPr id="2" name="幻灯片图像占位符 1"/>
+          <p:cNvSpPr>
+            <a:spLocks noGrp="1" noRot="1" noChangeAspect="1"/>
+          </p:cNvSpPr>
+          <p:nvPr>
+            <p:ph type="sldImg"/>
+          </p:nvPr>
+        </p:nvSpPr>
+        <p:spPr/>
+      </p:sp>
+      <p:sp>
+        <p:nvSpPr>
+          <p:cNvPr id="3" name="备注占位符 2"/>
+          <p:cNvSpPr>
+            <a:spLocks noGrp="1"/>
+          </p:cNvSpPr>
+          <p:nvPr>
+            <p:ph type="body" idx="1"/>
+          </p:nvPr>
+        </p:nvSpPr>
+        <p:spPr/>
+        <p:txBody>
+          <a:bodyPr/>
+          <a:lstStyle/>
+          <a:p>
+            <a:r>
+              <a:rPr lang="en-US" altLang="zh-CN" dirty="0"/>
+              <a:t>  </a:t>
+            </a:r>
+            <a:endParaRPr lang="zh-CN" altLang="en-US" dirty="0"/>
+          </a:p>
+        </p:txBody>
+      </p:sp>
+      <p:sp>
+        <p:nvSpPr>
+          <p:cNvPr id="4" name="灯片编号占位符 3"/>
+          <p:cNvSpPr>
+            <a:spLocks noGrp="1"/>
+          </p:cNvSpPr>
+          <p:nvPr>
+            <p:ph type="sldNum" sz="quarter" idx="5"/>
+          </p:nvPr>
+        </p:nvSpPr>
+        <p:spPr/>
+        <p:txBody>
+          <a:bodyPr/>
+          <a:lstStyle/>
+          <a:p>
+            <a:fld id="{BAAC25BF-BEDC-4CF7-B3C4-C7A509942CE7}" type="slidenum">
+              <a:rPr lang="zh-CN" altLang="en-US" smtClean="0"/>
+              <a:t>9</a:t>
+            </a:fld>
+            <a:endParaRPr lang="zh-CN" altLang="en-US"/>
+          </a:p>
+        </p:txBody>
+      </p:sp>
+    </p:spTree>
+    <p:extLst>
+      <p:ext uri="{BB962C8B-B14F-4D97-AF65-F5344CB8AC3E}">
+        <p14:creationId xmlns:p14="http://schemas.microsoft.com/office/powerpoint/2010/main" val="2131684280"/>
+      </p:ext>
+    </p:extLst>
+  </p:cSld>
+  <p:clrMapOvr>
+    <a:masterClrMapping/>
+  </p:clrMapOvr>
+</p:notes>
+</file>
+
 <file path=ppt/slideLayouts/slideLayout1.xml><?xml version="1.0" encoding="utf-8"?>
 <p:sldLayout xmlns:a="http://schemas.openxmlformats.org/drawingml/2006/main" xmlns:r="http://schemas.openxmlformats.org/officeDocument/2006/relationships" xmlns:p="http://schemas.openxmlformats.org/presentationml/2006/main" type="title" preserve="1">
   <p:cSld name="标题幻灯片">
@@ -699,7 +879,7 @@
           <a:p>
             <a:fld id="{1622E949-1C0E-4949-9DEB-7BD6AE0402FC}" type="datetimeFigureOut">
               <a:rPr lang="zh-CN" altLang="en-US" smtClean="0"/>
-              <a:t>2023/6/7</a:t>
+              <a:t>2023/6/8</a:t>
             </a:fld>
             <a:endParaRPr lang="zh-CN" altLang="en-US"/>
           </a:p>
@@ -897,7 +1077,7 @@
           <a:p>
             <a:fld id="{1622E949-1C0E-4949-9DEB-7BD6AE0402FC}" type="datetimeFigureOut">
               <a:rPr lang="zh-CN" altLang="en-US" smtClean="0"/>
-              <a:t>2023/6/7</a:t>
+              <a:t>2023/6/8</a:t>
             </a:fld>
             <a:endParaRPr lang="zh-CN" altLang="en-US"/>
           </a:p>
@@ -1105,7 +1285,7 @@
           <a:p>
             <a:fld id="{1622E949-1C0E-4949-9DEB-7BD6AE0402FC}" type="datetimeFigureOut">
               <a:rPr lang="zh-CN" altLang="en-US" smtClean="0"/>
-              <a:t>2023/6/7</a:t>
+              <a:t>2023/6/8</a:t>
             </a:fld>
             <a:endParaRPr lang="zh-CN" altLang="en-US"/>
           </a:p>
@@ -1303,7 +1483,7 @@
           <a:p>
             <a:fld id="{1622E949-1C0E-4949-9DEB-7BD6AE0402FC}" type="datetimeFigureOut">
               <a:rPr lang="zh-CN" altLang="en-US" smtClean="0"/>
-              <a:t>2023/6/7</a:t>
+              <a:t>2023/6/8</a:t>
             </a:fld>
             <a:endParaRPr lang="zh-CN" altLang="en-US"/>
           </a:p>
@@ -1578,7 +1758,7 @@
           <a:p>
             <a:fld id="{1622E949-1C0E-4949-9DEB-7BD6AE0402FC}" type="datetimeFigureOut">
               <a:rPr lang="zh-CN" altLang="en-US" smtClean="0"/>
-              <a:t>2023/6/7</a:t>
+              <a:t>2023/6/8</a:t>
             </a:fld>
             <a:endParaRPr lang="zh-CN" altLang="en-US"/>
           </a:p>
@@ -1843,7 +2023,7 @@
           <a:p>
             <a:fld id="{1622E949-1C0E-4949-9DEB-7BD6AE0402FC}" type="datetimeFigureOut">
               <a:rPr lang="zh-CN" altLang="en-US" smtClean="0"/>
-              <a:t>2023/6/7</a:t>
+              <a:t>2023/6/8</a:t>
             </a:fld>
             <a:endParaRPr lang="zh-CN" altLang="en-US"/>
           </a:p>
@@ -2255,7 +2435,7 @@
           <a:p>
             <a:fld id="{1622E949-1C0E-4949-9DEB-7BD6AE0402FC}" type="datetimeFigureOut">
               <a:rPr lang="zh-CN" altLang="en-US" smtClean="0"/>
-              <a:t>2023/6/7</a:t>
+              <a:t>2023/6/8</a:t>
             </a:fld>
             <a:endParaRPr lang="zh-CN" altLang="en-US"/>
           </a:p>
@@ -2396,7 +2576,7 @@
           <a:p>
             <a:fld id="{1622E949-1C0E-4949-9DEB-7BD6AE0402FC}" type="datetimeFigureOut">
               <a:rPr lang="zh-CN" altLang="en-US" smtClean="0"/>
-              <a:t>2023/6/7</a:t>
+              <a:t>2023/6/8</a:t>
             </a:fld>
             <a:endParaRPr lang="zh-CN" altLang="en-US"/>
           </a:p>
@@ -2509,7 +2689,7 @@
           <a:p>
             <a:fld id="{1622E949-1C0E-4949-9DEB-7BD6AE0402FC}" type="datetimeFigureOut">
               <a:rPr lang="zh-CN" altLang="en-US" smtClean="0"/>
-              <a:t>2023/6/7</a:t>
+              <a:t>2023/6/8</a:t>
             </a:fld>
             <a:endParaRPr lang="zh-CN" altLang="en-US"/>
           </a:p>
@@ -2820,7 +3000,7 @@
           <a:p>
             <a:fld id="{1622E949-1C0E-4949-9DEB-7BD6AE0402FC}" type="datetimeFigureOut">
               <a:rPr lang="zh-CN" altLang="en-US" smtClean="0"/>
-              <a:t>2023/6/7</a:t>
+              <a:t>2023/6/8</a:t>
             </a:fld>
             <a:endParaRPr lang="zh-CN" altLang="en-US"/>
           </a:p>
@@ -3108,7 +3288,7 @@
           <a:p>
             <a:fld id="{1622E949-1C0E-4949-9DEB-7BD6AE0402FC}" type="datetimeFigureOut">
               <a:rPr lang="zh-CN" altLang="en-US" smtClean="0"/>
-              <a:t>2023/6/7</a:t>
+              <a:t>2023/6/8</a:t>
             </a:fld>
             <a:endParaRPr lang="zh-CN" altLang="en-US"/>
           </a:p>
@@ -3349,7 +3529,7 @@
           <a:p>
             <a:fld id="{1622E949-1C0E-4949-9DEB-7BD6AE0402FC}" type="datetimeFigureOut">
               <a:rPr lang="zh-CN" altLang="en-US" smtClean="0"/>
-              <a:t>2023/6/7</a:t>
+              <a:t>2023/6/8</a:t>
             </a:fld>
             <a:endParaRPr lang="zh-CN" altLang="en-US"/>
           </a:p>
@@ -3780,8 +3960,8 @@
         </p:nvSpPr>
         <p:spPr>
           <a:xfrm>
-            <a:off x="1177663" y="66858"/>
-            <a:ext cx="8702211" cy="3139321"/>
+            <a:off x="939125" y="683084"/>
+            <a:ext cx="6301532" cy="5632311"/>
           </a:xfrm>
           <a:prstGeom prst="rect">
             <a:avLst/>
@@ -3796,8 +3976,14 @@
           <a:p>
             <a:r>
               <a:rPr lang="zh-CN" altLang="en-US" dirty="0"/>
-              <a:t>〇、围棋基础</a:t>
-            </a:r>
+              <a:t>一、围棋基础</a:t>
+            </a:r>
+            <a:endParaRPr lang="en-US" altLang="zh-CN" dirty="0"/>
+          </a:p>
+          <a:p>
+            <a:endParaRPr lang="en-US" altLang="zh-CN" dirty="0"/>
+          </a:p>
+          <a:p>
             <a:endParaRPr lang="en-US" altLang="zh-CN" dirty="0"/>
           </a:p>
           <a:p>
@@ -3876,6 +4062,12 @@
             <a:endParaRPr lang="en-US" altLang="zh-CN" dirty="0"/>
           </a:p>
           <a:p>
+            <a:endParaRPr lang="en-US" altLang="zh-CN" dirty="0"/>
+          </a:p>
+          <a:p>
+            <a:endParaRPr lang="en-US" altLang="zh-CN" dirty="0"/>
+          </a:p>
+          <a:p>
             <a:endParaRPr lang="zh-CN" altLang="en-US" dirty="0"/>
           </a:p>
           <a:p>
@@ -3895,6 +4087,12 @@
               <a:rPr lang="zh-CN" altLang="en-US" dirty="0"/>
               <a:t>”。</a:t>
             </a:r>
+          </a:p>
+          <a:p>
+            <a:endParaRPr lang="en-US" altLang="zh-CN" dirty="0"/>
+          </a:p>
+          <a:p>
+            <a:endParaRPr lang="en-US" altLang="zh-CN" dirty="0"/>
           </a:p>
           <a:p>
             <a:endParaRPr lang="en-US" altLang="zh-CN" dirty="0"/>
@@ -3957,7 +4155,7 @@
         </p:blipFill>
         <p:spPr>
           <a:xfrm>
-            <a:off x="3611411" y="3206179"/>
+            <a:off x="9674091" y="3081939"/>
             <a:ext cx="3834716" cy="3651821"/>
           </a:xfrm>
           <a:prstGeom prst="rect">
@@ -3995,188 +4193,12 @@
           <a:chExt cx="0" cy="0"/>
         </a:xfrm>
       </p:grpSpPr>
-      <p:sp>
-        <p:nvSpPr>
-          <p:cNvPr id="4" name="文本框 3">
-            <a:extLst>
-              <a:ext uri="{FF2B5EF4-FFF2-40B4-BE49-F238E27FC236}">
-                <a16:creationId xmlns:a16="http://schemas.microsoft.com/office/drawing/2014/main" id="{15D271E1-3E21-D62B-591C-D3B0EC80C1AF}"/>
-              </a:ext>
-            </a:extLst>
-          </p:cNvPr>
-          <p:cNvSpPr txBox="1"/>
-          <p:nvPr/>
-        </p:nvSpPr>
-        <p:spPr>
-          <a:xfrm>
-            <a:off x="1829164" y="108749"/>
-            <a:ext cx="8702211" cy="2862322"/>
-          </a:xfrm>
-          <a:prstGeom prst="rect">
-            <a:avLst/>
-          </a:prstGeom>
-          <a:noFill/>
-        </p:spPr>
-        <p:txBody>
-          <a:bodyPr wrap="square" rtlCol="0">
-            <a:spAutoFit/>
-          </a:bodyPr>
-          <a:lstStyle/>
-          <a:p>
-            <a:r>
-              <a:rPr lang="zh-CN" altLang="en-US" dirty="0"/>
-              <a:t>一、气与提子</a:t>
-            </a:r>
-            <a:endParaRPr lang="en-US" altLang="zh-CN" dirty="0"/>
-          </a:p>
-          <a:p>
-            <a:r>
-              <a:rPr lang="zh-CN" altLang="en-US" dirty="0"/>
-              <a:t>“</a:t>
-            </a:r>
-            <a:r>
-              <a:rPr lang="zh-CN" altLang="en-US" b="1" dirty="0"/>
-              <a:t>气</a:t>
-            </a:r>
-            <a:r>
-              <a:rPr lang="zh-CN" altLang="en-US" dirty="0"/>
-              <a:t>”指的是在棋盘上与棋子靠近并且有直线连接该棋子的交叉点。在围棋对局中，棋子在棋盘上是依赖“</a:t>
-            </a:r>
-            <a:r>
-              <a:rPr lang="zh-CN" altLang="en-US" b="1" dirty="0"/>
-              <a:t>气</a:t>
-            </a:r>
-            <a:r>
-              <a:rPr lang="zh-CN" altLang="en-US" dirty="0"/>
-              <a:t>”生存的。有气的子可以存活在棋盘上，没有气的子从棋盘上拿走。</a:t>
-            </a:r>
-          </a:p>
-          <a:p>
-            <a:endParaRPr lang="zh-CN" altLang="en-US" dirty="0"/>
-          </a:p>
-          <a:p>
-            <a:r>
-              <a:rPr lang="zh-CN" altLang="en-US" dirty="0"/>
-              <a:t>如图</a:t>
-            </a:r>
-            <a:r>
-              <a:rPr lang="en-US" altLang="zh-CN" dirty="0"/>
-              <a:t>1</a:t>
-            </a:r>
-            <a:r>
-              <a:rPr lang="zh-CN" altLang="en-US" dirty="0"/>
-              <a:t>，黑棋■三子有</a:t>
-            </a:r>
-            <a:r>
-              <a:rPr lang="en-US" altLang="zh-CN" dirty="0"/>
-              <a:t>5</a:t>
-            </a:r>
-            <a:r>
-              <a:rPr lang="zh-CN" altLang="en-US" dirty="0"/>
-              <a:t>气</a:t>
-            </a:r>
-            <a:r>
-              <a:rPr lang="en-US" altLang="zh-CN" dirty="0"/>
-              <a:t>,</a:t>
-            </a:r>
-            <a:r>
-              <a:rPr lang="zh-CN" altLang="en-US" dirty="0"/>
-              <a:t>，○三子有</a:t>
-            </a:r>
-            <a:r>
-              <a:rPr lang="en-US" altLang="zh-CN" dirty="0"/>
-              <a:t>3</a:t>
-            </a:r>
-            <a:r>
-              <a:rPr lang="zh-CN" altLang="en-US" dirty="0"/>
-              <a:t>气。</a:t>
-            </a:r>
-            <a:endParaRPr lang="en-US" altLang="zh-CN" dirty="0"/>
-          </a:p>
-          <a:p>
-            <a:r>
-              <a:rPr lang="zh-CN" altLang="en-US" dirty="0"/>
-              <a:t>如图</a:t>
-            </a:r>
-            <a:r>
-              <a:rPr lang="en-US" altLang="zh-CN" dirty="0"/>
-              <a:t>2</a:t>
-            </a:r>
-            <a:r>
-              <a:rPr lang="zh-CN" altLang="en-US" dirty="0"/>
-              <a:t>，黑棋三子有</a:t>
-            </a:r>
-            <a:r>
-              <a:rPr lang="en-US" altLang="zh-CN" dirty="0"/>
-              <a:t>8</a:t>
-            </a:r>
-            <a:r>
-              <a:rPr lang="zh-CN" altLang="en-US" dirty="0"/>
-              <a:t>气。</a:t>
-            </a:r>
-            <a:endParaRPr lang="en-US" altLang="zh-CN" dirty="0"/>
-          </a:p>
-          <a:p>
-            <a:r>
-              <a:rPr lang="zh-CN" altLang="en-US" dirty="0"/>
-              <a:t>如图</a:t>
-            </a:r>
-            <a:r>
-              <a:rPr lang="en-US" altLang="zh-CN" dirty="0"/>
-              <a:t>3</a:t>
-            </a:r>
-            <a:r>
-              <a:rPr lang="zh-CN" altLang="en-US" dirty="0"/>
-              <a:t>，</a:t>
-            </a:r>
-            <a:r>
-              <a:rPr lang="en-US" altLang="zh-CN" dirty="0"/>
-              <a:t>7</a:t>
-            </a:r>
-            <a:r>
-              <a:rPr lang="zh-CN" altLang="en-US" dirty="0"/>
-              <a:t>颗白子堵住了黑棋。现在黑棋三子只有</a:t>
-            </a:r>
-            <a:r>
-              <a:rPr lang="en-US" altLang="zh-CN" dirty="0"/>
-              <a:t>1</a:t>
-            </a:r>
-            <a:r>
-              <a:rPr lang="zh-CN" altLang="en-US" dirty="0"/>
-              <a:t>气。现在轮到白棋行棋，下在</a:t>
-            </a:r>
-            <a:r>
-              <a:rPr lang="en-US" altLang="zh-CN" dirty="0"/>
-              <a:t>A</a:t>
-            </a:r>
-            <a:r>
-              <a:rPr lang="zh-CN" altLang="en-US" dirty="0"/>
-              <a:t>点。</a:t>
-            </a:r>
-            <a:endParaRPr lang="en-US" altLang="zh-CN" dirty="0"/>
-          </a:p>
-          <a:p>
-            <a:r>
-              <a:rPr lang="zh-CN" altLang="en-US" dirty="0"/>
-              <a:t>如图</a:t>
-            </a:r>
-            <a:r>
-              <a:rPr lang="en-US" altLang="zh-CN" dirty="0"/>
-              <a:t>4</a:t>
-            </a:r>
-            <a:r>
-              <a:rPr lang="zh-CN" altLang="en-US" dirty="0"/>
-              <a:t>，白棋下好后，黑棋三子没有气了，需要将这三颗子从棋盘上拿走。使对方棋子没有气因而从棋盘上拿走的过程称为“提子”。提子是下围棋最快乐的事情。</a:t>
-            </a:r>
-          </a:p>
-        </p:txBody>
-      </p:sp>
       <p:pic>
         <p:nvPicPr>
-          <p:cNvPr id="8" name="图片 7">
-            <a:extLst>
-              <a:ext uri="{FF2B5EF4-FFF2-40B4-BE49-F238E27FC236}">
-                <a16:creationId xmlns:a16="http://schemas.microsoft.com/office/drawing/2014/main" id="{CDACC355-8C80-E25D-0870-B45029AFBEA8}"/>
+          <p:cNvPr id="7" name="图片 6">
+            <a:extLst>
+              <a:ext uri="{FF2B5EF4-FFF2-40B4-BE49-F238E27FC236}">
+                <a16:creationId xmlns:a16="http://schemas.microsoft.com/office/drawing/2014/main" id="{B49935B5-FBE0-944E-6A4A-12369D2EE7E4}"/>
               </a:ext>
             </a:extLst>
           </p:cNvPr>
@@ -4185,16 +4207,15 @@
           </p:cNvPicPr>
           <p:nvPr/>
         </p:nvPicPr>
-        <p:blipFill>
+        <p:blipFill rotWithShape="1">
           <a:blip r:embed="rId2"/>
-          <a:stretch>
-            <a:fillRect/>
-          </a:stretch>
+          <a:srcRect t="-4429" b="-8088"/>
+          <a:stretch/>
         </p:blipFill>
         <p:spPr>
           <a:xfrm>
-            <a:off x="630109" y="4215104"/>
-            <a:ext cx="2950720" cy="1688738"/>
+            <a:off x="-386511" y="59636"/>
+            <a:ext cx="1722560" cy="1729407"/>
           </a:xfrm>
           <a:prstGeom prst="rect">
             <a:avLst/>
@@ -4203,10 +4224,10 @@
       </p:pic>
       <p:pic>
         <p:nvPicPr>
-          <p:cNvPr id="19" name="图片 18">
-            <a:extLst>
-              <a:ext uri="{FF2B5EF4-FFF2-40B4-BE49-F238E27FC236}">
-                <a16:creationId xmlns:a16="http://schemas.microsoft.com/office/drawing/2014/main" id="{0BDAD0DC-9DE5-32D3-C3C2-BFDF877F7FA6}"/>
+          <p:cNvPr id="9" name="图片 8">
+            <a:extLst>
+              <a:ext uri="{FF2B5EF4-FFF2-40B4-BE49-F238E27FC236}">
+                <a16:creationId xmlns:a16="http://schemas.microsoft.com/office/drawing/2014/main" id="{89F1B6EE-0AE4-8AAC-9683-22F96515392C}"/>
               </a:ext>
             </a:extLst>
           </p:cNvPr>
@@ -4215,16 +4236,15 @@
           </p:cNvPicPr>
           <p:nvPr/>
         </p:nvPicPr>
-        <p:blipFill>
+        <p:blipFill rotWithShape="1">
           <a:blip r:embed="rId3"/>
-          <a:stretch>
-            <a:fillRect/>
-          </a:stretch>
+          <a:srcRect l="-10534" t="-8580" r="-10009" b="-6382"/>
+          <a:stretch/>
         </p:blipFill>
         <p:spPr>
           <a:xfrm>
-            <a:off x="3993264" y="3804464"/>
-            <a:ext cx="1658256" cy="2334970"/>
+            <a:off x="9675744" y="4799868"/>
+            <a:ext cx="2087217" cy="2058132"/>
           </a:xfrm>
           <a:prstGeom prst="rect">
             <a:avLst/>
@@ -4233,10 +4253,10 @@
       </p:pic>
       <p:pic>
         <p:nvPicPr>
-          <p:cNvPr id="20" name="图片 19">
-            <a:extLst>
-              <a:ext uri="{FF2B5EF4-FFF2-40B4-BE49-F238E27FC236}">
-                <a16:creationId xmlns:a16="http://schemas.microsoft.com/office/drawing/2014/main" id="{CB2633DF-9101-ADD9-11CF-4F86176E1523}"/>
+          <p:cNvPr id="10" name="图片 9">
+            <a:extLst>
+              <a:ext uri="{FF2B5EF4-FFF2-40B4-BE49-F238E27FC236}">
+                <a16:creationId xmlns:a16="http://schemas.microsoft.com/office/drawing/2014/main" id="{4DB1BDDE-367D-C4D8-3B9B-1E036EF57BFB}"/>
               </a:ext>
             </a:extLst>
           </p:cNvPr>
@@ -4245,16 +4265,15 @@
           </p:cNvPicPr>
           <p:nvPr/>
         </p:nvPicPr>
-        <p:blipFill>
+        <p:blipFill rotWithShape="1">
           <a:blip r:embed="rId4"/>
-          <a:stretch>
-            <a:fillRect/>
-          </a:stretch>
+          <a:srcRect t="-6449" b="-10840"/>
+          <a:stretch/>
         </p:blipFill>
         <p:spPr>
           <a:xfrm>
-            <a:off x="6540482" y="3804464"/>
-            <a:ext cx="1560711" cy="2377646"/>
+            <a:off x="-49375" y="2077278"/>
+            <a:ext cx="1530306" cy="1528870"/>
           </a:xfrm>
           <a:prstGeom prst="rect">
             <a:avLst/>
@@ -4263,10 +4282,10 @@
       </p:pic>
       <p:pic>
         <p:nvPicPr>
-          <p:cNvPr id="23" name="图片 22">
-            <a:extLst>
-              <a:ext uri="{FF2B5EF4-FFF2-40B4-BE49-F238E27FC236}">
-                <a16:creationId xmlns:a16="http://schemas.microsoft.com/office/drawing/2014/main" id="{36DF48E0-B54E-A5AE-36A0-CC52F9351A4D}"/>
+          <p:cNvPr id="12" name="图片 11">
+            <a:extLst>
+              <a:ext uri="{FF2B5EF4-FFF2-40B4-BE49-F238E27FC236}">
+                <a16:creationId xmlns:a16="http://schemas.microsoft.com/office/drawing/2014/main" id="{50F822B1-85F4-AAB2-9704-50D841361ED8}"/>
               </a:ext>
             </a:extLst>
           </p:cNvPr>
@@ -4275,16 +4294,102 @@
           </p:cNvPicPr>
           <p:nvPr/>
         </p:nvPicPr>
-        <p:blipFill>
+        <p:blipFill rotWithShape="1">
           <a:blip r:embed="rId5"/>
-          <a:stretch>
-            <a:fillRect/>
-          </a:stretch>
+          <a:srcRect t="-14089" b="-27413"/>
+          <a:stretch/>
         </p:blipFill>
         <p:spPr>
           <a:xfrm>
-            <a:off x="9043822" y="3804464"/>
-            <a:ext cx="1487553" cy="2402032"/>
+            <a:off x="2301303" y="59636"/>
+            <a:ext cx="2743536" cy="2723321"/>
+          </a:xfrm>
+          <a:prstGeom prst="rect">
+            <a:avLst/>
+          </a:prstGeom>
+        </p:spPr>
+      </p:pic>
+      <p:pic>
+        <p:nvPicPr>
+          <p:cNvPr id="13" name="图片 12">
+            <a:extLst>
+              <a:ext uri="{FF2B5EF4-FFF2-40B4-BE49-F238E27FC236}">
+                <a16:creationId xmlns:a16="http://schemas.microsoft.com/office/drawing/2014/main" id="{320C662A-1913-F82E-FDE7-59B991D7A22E}"/>
+              </a:ext>
+            </a:extLst>
+          </p:cNvPr>
+          <p:cNvPicPr>
+            <a:picLocks noChangeAspect="1"/>
+          </p:cNvPicPr>
+          <p:nvPr/>
+        </p:nvPicPr>
+        <p:blipFill rotWithShape="1">
+          <a:blip r:embed="rId6"/>
+          <a:srcRect l="-7247" t="-8091" r="-6311" b="-6841"/>
+          <a:stretch/>
+        </p:blipFill>
+        <p:spPr>
+          <a:xfrm>
+            <a:off x="5451613" y="67508"/>
+            <a:ext cx="1939752" cy="1888435"/>
+          </a:xfrm>
+          <a:prstGeom prst="rect">
+            <a:avLst/>
+          </a:prstGeom>
+        </p:spPr>
+      </p:pic>
+      <p:pic>
+        <p:nvPicPr>
+          <p:cNvPr id="2" name="图片 1">
+            <a:extLst>
+              <a:ext uri="{FF2B5EF4-FFF2-40B4-BE49-F238E27FC236}">
+                <a16:creationId xmlns:a16="http://schemas.microsoft.com/office/drawing/2014/main" id="{DFFB0F59-0684-E2F1-A21A-E17F29CFEB31}"/>
+              </a:ext>
+            </a:extLst>
+          </p:cNvPr>
+          <p:cNvPicPr>
+            <a:picLocks noChangeAspect="1"/>
+          </p:cNvPicPr>
+          <p:nvPr/>
+        </p:nvPicPr>
+        <p:blipFill rotWithShape="1">
+          <a:blip r:embed="rId7"/>
+          <a:srcRect l="-5412" t="-9101" r="-3929" b="-430"/>
+          <a:stretch/>
+        </p:blipFill>
+        <p:spPr>
+          <a:xfrm>
+            <a:off x="-1978941" y="0"/>
+            <a:ext cx="6337482" cy="6211570"/>
+          </a:xfrm>
+          <a:prstGeom prst="rect">
+            <a:avLst/>
+          </a:prstGeom>
+        </p:spPr>
+      </p:pic>
+      <p:pic>
+        <p:nvPicPr>
+          <p:cNvPr id="3" name="图片 2">
+            <a:extLst>
+              <a:ext uri="{FF2B5EF4-FFF2-40B4-BE49-F238E27FC236}">
+                <a16:creationId xmlns:a16="http://schemas.microsoft.com/office/drawing/2014/main" id="{79E65CB3-B909-BF4A-48D9-35D1EA646A42}"/>
+              </a:ext>
+            </a:extLst>
+          </p:cNvPr>
+          <p:cNvPicPr>
+            <a:picLocks noChangeAspect="1"/>
+          </p:cNvPicPr>
+          <p:nvPr/>
+        </p:nvPicPr>
+        <p:blipFill rotWithShape="1">
+          <a:blip r:embed="rId8"/>
+          <a:srcRect t="-4625" b="-1"/>
+          <a:stretch/>
+        </p:blipFill>
+        <p:spPr>
+          <a:xfrm>
+            <a:off x="4660040" y="1356692"/>
+            <a:ext cx="5078408" cy="5058178"/>
           </a:xfrm>
           <a:prstGeom prst="rect">
             <a:avLst/>
@@ -4294,7 +4399,7 @@
     </p:spTree>
     <p:extLst>
       <p:ext uri="{BB962C8B-B14F-4D97-AF65-F5344CB8AC3E}">
-        <p14:creationId xmlns:p14="http://schemas.microsoft.com/office/powerpoint/2010/main" val="3596481314"/>
+        <p14:creationId xmlns:p14="http://schemas.microsoft.com/office/powerpoint/2010/main" val="4253356642"/>
       </p:ext>
     </p:extLst>
   </p:cSld>
@@ -4321,12 +4426,201 @@
           <a:chExt cx="0" cy="0"/>
         </a:xfrm>
       </p:grpSpPr>
+      <p:sp>
+        <p:nvSpPr>
+          <p:cNvPr id="4" name="文本框 3">
+            <a:extLst>
+              <a:ext uri="{FF2B5EF4-FFF2-40B4-BE49-F238E27FC236}">
+                <a16:creationId xmlns:a16="http://schemas.microsoft.com/office/drawing/2014/main" id="{15D271E1-3E21-D62B-591C-D3B0EC80C1AF}"/>
+              </a:ext>
+            </a:extLst>
+          </p:cNvPr>
+          <p:cNvSpPr txBox="1"/>
+          <p:nvPr/>
+        </p:nvSpPr>
+        <p:spPr>
+          <a:xfrm>
+            <a:off x="666286" y="123658"/>
+            <a:ext cx="6272029" cy="5355312"/>
+          </a:xfrm>
+          <a:prstGeom prst="rect">
+            <a:avLst/>
+          </a:prstGeom>
+          <a:noFill/>
+        </p:spPr>
+        <p:txBody>
+          <a:bodyPr wrap="square" rtlCol="0">
+            <a:spAutoFit/>
+          </a:bodyPr>
+          <a:lstStyle/>
+          <a:p>
+            <a:r>
+              <a:rPr lang="zh-CN" altLang="en-US" dirty="0"/>
+              <a:t>二、气与提子</a:t>
+            </a:r>
+            <a:endParaRPr lang="en-US" altLang="zh-CN" dirty="0"/>
+          </a:p>
+          <a:p>
+            <a:r>
+              <a:rPr lang="zh-CN" altLang="en-US" dirty="0"/>
+              <a:t>“</a:t>
+            </a:r>
+            <a:r>
+              <a:rPr lang="zh-CN" altLang="en-US" b="1" dirty="0"/>
+              <a:t>气</a:t>
+            </a:r>
+            <a:r>
+              <a:rPr lang="zh-CN" altLang="en-US" dirty="0"/>
+              <a:t>”指的是在棋盘上与棋子靠近并且有直线连接该棋子的交叉点。在围棋对局中，棋子在棋盘上是依赖“</a:t>
+            </a:r>
+            <a:r>
+              <a:rPr lang="zh-CN" altLang="en-US" b="1" dirty="0"/>
+              <a:t>气</a:t>
+            </a:r>
+            <a:r>
+              <a:rPr lang="zh-CN" altLang="en-US" dirty="0"/>
+              <a:t>”生存的。有气的子可以存活在棋盘上，没有气的子从棋盘上拿走。</a:t>
+            </a:r>
+          </a:p>
+          <a:p>
+            <a:endParaRPr lang="en-US" altLang="zh-CN" dirty="0"/>
+          </a:p>
+          <a:p>
+            <a:endParaRPr lang="zh-CN" altLang="en-US" dirty="0"/>
+          </a:p>
+          <a:p>
+            <a:r>
+              <a:rPr lang="zh-CN" altLang="en-US" dirty="0"/>
+              <a:t>如图</a:t>
+            </a:r>
+            <a:r>
+              <a:rPr lang="en-US" altLang="zh-CN" dirty="0"/>
+              <a:t>1</a:t>
+            </a:r>
+            <a:r>
+              <a:rPr lang="zh-CN" altLang="en-US" dirty="0"/>
+              <a:t>，黑棋■三子有</a:t>
+            </a:r>
+            <a:r>
+              <a:rPr lang="en-US" altLang="zh-CN" dirty="0"/>
+              <a:t>5</a:t>
+            </a:r>
+            <a:r>
+              <a:rPr lang="zh-CN" altLang="en-US" dirty="0"/>
+              <a:t>气，○三子有</a:t>
+            </a:r>
+            <a:r>
+              <a:rPr lang="en-US" altLang="zh-CN" dirty="0"/>
+              <a:t>3</a:t>
+            </a:r>
+            <a:r>
+              <a:rPr lang="zh-CN" altLang="en-US" dirty="0"/>
+              <a:t>气。</a:t>
+            </a:r>
+            <a:endParaRPr lang="en-US" altLang="zh-CN" dirty="0"/>
+          </a:p>
+          <a:p>
+            <a:endParaRPr lang="en-US" altLang="zh-CN" dirty="0"/>
+          </a:p>
+          <a:p>
+            <a:endParaRPr lang="en-US" altLang="zh-CN" dirty="0"/>
+          </a:p>
+          <a:p>
+            <a:r>
+              <a:rPr lang="zh-CN" altLang="en-US" dirty="0"/>
+              <a:t>如图</a:t>
+            </a:r>
+            <a:r>
+              <a:rPr lang="en-US" altLang="zh-CN" dirty="0"/>
+              <a:t>2</a:t>
+            </a:r>
+            <a:r>
+              <a:rPr lang="zh-CN" altLang="en-US" dirty="0"/>
+              <a:t>，黑棋三子有</a:t>
+            </a:r>
+            <a:r>
+              <a:rPr lang="en-US" altLang="zh-CN" dirty="0"/>
+              <a:t>8</a:t>
+            </a:r>
+            <a:r>
+              <a:rPr lang="zh-CN" altLang="en-US" dirty="0"/>
+              <a:t>气。</a:t>
+            </a:r>
+            <a:endParaRPr lang="en-US" altLang="zh-CN" dirty="0"/>
+          </a:p>
+          <a:p>
+            <a:endParaRPr lang="en-US" altLang="zh-CN" dirty="0"/>
+          </a:p>
+          <a:p>
+            <a:endParaRPr lang="en-US" altLang="zh-CN" dirty="0"/>
+          </a:p>
+          <a:p>
+            <a:r>
+              <a:rPr lang="zh-CN" altLang="en-US" dirty="0"/>
+              <a:t>如图</a:t>
+            </a:r>
+            <a:r>
+              <a:rPr lang="en-US" altLang="zh-CN" dirty="0"/>
+              <a:t>3</a:t>
+            </a:r>
+            <a:r>
+              <a:rPr lang="zh-CN" altLang="en-US" dirty="0"/>
+              <a:t>，</a:t>
+            </a:r>
+            <a:r>
+              <a:rPr lang="en-US" altLang="zh-CN" dirty="0"/>
+              <a:t>7</a:t>
+            </a:r>
+            <a:r>
+              <a:rPr lang="zh-CN" altLang="en-US" dirty="0"/>
+              <a:t>颗白子堵住了黑棋。现在黑棋三子只有</a:t>
+            </a:r>
+            <a:r>
+              <a:rPr lang="en-US" altLang="zh-CN" dirty="0"/>
+              <a:t>1</a:t>
+            </a:r>
+            <a:r>
+              <a:rPr lang="zh-CN" altLang="en-US" dirty="0"/>
+              <a:t>气。现在轮到白棋行棋，下在</a:t>
+            </a:r>
+            <a:r>
+              <a:rPr lang="en-US" altLang="zh-CN" dirty="0"/>
+              <a:t>A</a:t>
+            </a:r>
+            <a:r>
+              <a:rPr lang="zh-CN" altLang="en-US" dirty="0"/>
+              <a:t>点。</a:t>
+            </a:r>
+            <a:endParaRPr lang="en-US" altLang="zh-CN" dirty="0"/>
+          </a:p>
+          <a:p>
+            <a:endParaRPr lang="en-US" altLang="zh-CN" dirty="0"/>
+          </a:p>
+          <a:p>
+            <a:endParaRPr lang="en-US" altLang="zh-CN" dirty="0"/>
+          </a:p>
+          <a:p>
+            <a:r>
+              <a:rPr lang="zh-CN" altLang="en-US" dirty="0"/>
+              <a:t>如图</a:t>
+            </a:r>
+            <a:r>
+              <a:rPr lang="en-US" altLang="zh-CN" dirty="0"/>
+              <a:t>4</a:t>
+            </a:r>
+            <a:r>
+              <a:rPr lang="zh-CN" altLang="en-US" dirty="0"/>
+              <a:t>，白棋下好后，黑棋三子没有气了，需要将这三颗子从棋盘上拿走。使对方棋子没有气因而从棋盘上拿走的过程称为“提子”。提子是下围棋最快乐的事情。</a:t>
+            </a:r>
+          </a:p>
+        </p:txBody>
+      </p:sp>
       <p:pic>
         <p:nvPicPr>
-          <p:cNvPr id="4" name="图片 3">
-            <a:extLst>
-              <a:ext uri="{FF2B5EF4-FFF2-40B4-BE49-F238E27FC236}">
-                <a16:creationId xmlns:a16="http://schemas.microsoft.com/office/drawing/2014/main" id="{19168107-C583-340A-B644-3EF53B2C07C9}"/>
+          <p:cNvPr id="8" name="图片 7">
+            <a:extLst>
+              <a:ext uri="{FF2B5EF4-FFF2-40B4-BE49-F238E27FC236}">
+                <a16:creationId xmlns:a16="http://schemas.microsoft.com/office/drawing/2014/main" id="{CDACC355-8C80-E25D-0870-B45029AFBEA8}"/>
               </a:ext>
             </a:extLst>
           </p:cNvPr>
@@ -4335,238 +4629,116 @@
           </p:cNvPicPr>
           <p:nvPr/>
         </p:nvPicPr>
-        <p:blipFill rotWithShape="1">
+        <p:blipFill>
           <a:blip r:embed="rId2"/>
-          <a:srcRect l="14772" t="14723" r="20081" b="13089"/>
-          <a:stretch/>
+          <a:stretch>
+            <a:fillRect/>
+          </a:stretch>
         </p:blipFill>
         <p:spPr>
           <a:xfrm>
-            <a:off x="3732143" y="575103"/>
-            <a:ext cx="3761961" cy="3747818"/>
+            <a:off x="6938315" y="1043166"/>
+            <a:ext cx="2950720" cy="1688738"/>
           </a:xfrm>
           <a:prstGeom prst="rect">
             <a:avLst/>
           </a:prstGeom>
         </p:spPr>
       </p:pic>
-      <p:sp>
-        <p:nvSpPr>
-          <p:cNvPr id="5" name="文本框 4">
-            <a:extLst>
-              <a:ext uri="{FF2B5EF4-FFF2-40B4-BE49-F238E27FC236}">
-                <a16:creationId xmlns:a16="http://schemas.microsoft.com/office/drawing/2014/main" id="{80913BD6-6743-51CD-0481-1632CE62010D}"/>
-              </a:ext>
-            </a:extLst>
-          </p:cNvPr>
-          <p:cNvSpPr txBox="1"/>
+      <p:pic>
+        <p:nvPicPr>
+          <p:cNvPr id="19" name="图片 18">
+            <a:extLst>
+              <a:ext uri="{FF2B5EF4-FFF2-40B4-BE49-F238E27FC236}">
+                <a16:creationId xmlns:a16="http://schemas.microsoft.com/office/drawing/2014/main" id="{0BDAD0DC-9DE5-32D3-C3C2-BFDF877F7FA6}"/>
+              </a:ext>
+            </a:extLst>
+          </p:cNvPr>
+          <p:cNvPicPr>
+            <a:picLocks noChangeAspect="1"/>
+          </p:cNvPicPr>
           <p:nvPr/>
-        </p:nvSpPr>
+        </p:nvPicPr>
+        <p:blipFill>
+          <a:blip r:embed="rId3"/>
+          <a:stretch>
+            <a:fillRect/>
+          </a:stretch>
+        </p:blipFill>
         <p:spPr>
           <a:xfrm>
-            <a:off x="3392555" y="4805569"/>
-            <a:ext cx="6438073" cy="1477328"/>
+            <a:off x="10305222" y="281043"/>
+            <a:ext cx="1658256" cy="2334970"/>
           </a:xfrm>
           <a:prstGeom prst="rect">
             <a:avLst/>
           </a:prstGeom>
-          <a:noFill/>
         </p:spPr>
-        <p:txBody>
-          <a:bodyPr wrap="square" rtlCol="0">
-            <a:spAutoFit/>
-          </a:bodyPr>
-          <a:lstStyle/>
-          <a:p>
-            <a:r>
-              <a:rPr lang="zh-CN" altLang="en-US" dirty="0"/>
-              <a:t>第一题。黑棋先下。如何吃掉白棋的子？</a:t>
-            </a:r>
-            <a:endParaRPr lang="en-US" altLang="zh-CN" dirty="0"/>
-          </a:p>
-          <a:p>
-            <a:endParaRPr lang="en-US" altLang="zh-CN" dirty="0"/>
-          </a:p>
-          <a:p>
-            <a:r>
-              <a:rPr lang="zh-CN" altLang="en-US" dirty="0"/>
-              <a:t>只可以下在</a:t>
-            </a:r>
-            <a:r>
-              <a:rPr lang="en-US" altLang="zh-CN" dirty="0"/>
-              <a:t>A</a:t>
-            </a:r>
-            <a:r>
-              <a:rPr lang="zh-CN" altLang="en-US" dirty="0"/>
-              <a:t>处，吃掉白棋</a:t>
-            </a:r>
-            <a:r>
-              <a:rPr lang="en-US" altLang="zh-CN" dirty="0"/>
-              <a:t>X</a:t>
-            </a:r>
-            <a:r>
-              <a:rPr lang="zh-CN" altLang="en-US" dirty="0"/>
-              <a:t>二子。否则无论黑棋下载哪里，白棋都</a:t>
-            </a:r>
-            <a:r>
-              <a:rPr lang="zh-CN" altLang="en-US"/>
-              <a:t>可以下在</a:t>
-            </a:r>
-            <a:r>
-              <a:rPr lang="en-US" altLang="zh-CN"/>
-              <a:t>A</a:t>
-            </a:r>
-            <a:r>
-              <a:rPr lang="zh-CN" altLang="en-US" dirty="0"/>
-              <a:t>处吃掉黑棋</a:t>
-            </a:r>
-            <a:r>
-              <a:rPr lang="en-US" altLang="zh-CN" dirty="0"/>
-              <a:t>Y</a:t>
-            </a:r>
-            <a:r>
-              <a:rPr lang="zh-CN" altLang="en-US" dirty="0"/>
-              <a:t>子</a:t>
-            </a:r>
-            <a:endParaRPr lang="en-US" altLang="zh-CN" dirty="0"/>
-          </a:p>
-          <a:p>
-            <a:endParaRPr lang="zh-CN" altLang="en-US" dirty="0"/>
-          </a:p>
-        </p:txBody>
-      </p:sp>
-      <p:sp>
-        <p:nvSpPr>
-          <p:cNvPr id="6" name="文本框 5">
-            <a:extLst>
-              <a:ext uri="{FF2B5EF4-FFF2-40B4-BE49-F238E27FC236}">
-                <a16:creationId xmlns:a16="http://schemas.microsoft.com/office/drawing/2014/main" id="{536E9761-7977-4CF0-8DC2-2690C0E5DBB2}"/>
-              </a:ext>
-            </a:extLst>
-          </p:cNvPr>
-          <p:cNvSpPr txBox="1"/>
+      </p:pic>
+      <p:pic>
+        <p:nvPicPr>
+          <p:cNvPr id="20" name="图片 19">
+            <a:extLst>
+              <a:ext uri="{FF2B5EF4-FFF2-40B4-BE49-F238E27FC236}">
+                <a16:creationId xmlns:a16="http://schemas.microsoft.com/office/drawing/2014/main" id="{CB2633DF-9101-ADD9-11CF-4F86176E1523}"/>
+              </a:ext>
+            </a:extLst>
+          </p:cNvPr>
+          <p:cNvPicPr>
+            <a:picLocks noChangeAspect="1"/>
+          </p:cNvPicPr>
           <p:nvPr/>
-        </p:nvSpPr>
+        </p:nvPicPr>
+        <p:blipFill>
+          <a:blip r:embed="rId4"/>
+          <a:stretch>
+            <a:fillRect/>
+          </a:stretch>
+        </p:blipFill>
         <p:spPr>
           <a:xfrm>
-            <a:off x="5670275" y="1991429"/>
-            <a:ext cx="417443" cy="369332"/>
+            <a:off x="7633319" y="3103833"/>
+            <a:ext cx="1560711" cy="2377646"/>
           </a:xfrm>
           <a:prstGeom prst="rect">
             <a:avLst/>
           </a:prstGeom>
-          <a:noFill/>
         </p:spPr>
-        <p:txBody>
-          <a:bodyPr wrap="square" rtlCol="0">
-            <a:spAutoFit/>
-          </a:bodyPr>
-          <a:lstStyle/>
-          <a:p>
-            <a:r>
-              <a:rPr lang="en-US" altLang="zh-CN" b="1" dirty="0">
-                <a:solidFill>
-                  <a:srgbClr val="FF0000"/>
-                </a:solidFill>
-              </a:rPr>
-              <a:t>A</a:t>
-            </a:r>
-            <a:endParaRPr lang="zh-CN" altLang="en-US" b="1" dirty="0">
-              <a:solidFill>
-                <a:srgbClr val="FF0000"/>
-              </a:solidFill>
-            </a:endParaRPr>
-          </a:p>
-        </p:txBody>
-      </p:sp>
-      <p:sp>
-        <p:nvSpPr>
-          <p:cNvPr id="7" name="文本框 6">
-            <a:extLst>
-              <a:ext uri="{FF2B5EF4-FFF2-40B4-BE49-F238E27FC236}">
-                <a16:creationId xmlns:a16="http://schemas.microsoft.com/office/drawing/2014/main" id="{EC6A8FAE-2EF8-C23A-3EDE-E53187F301EB}"/>
-              </a:ext>
-            </a:extLst>
-          </p:cNvPr>
-          <p:cNvSpPr txBox="1"/>
+      </p:pic>
+      <p:pic>
+        <p:nvPicPr>
+          <p:cNvPr id="23" name="图片 22">
+            <a:extLst>
+              <a:ext uri="{FF2B5EF4-FFF2-40B4-BE49-F238E27FC236}">
+                <a16:creationId xmlns:a16="http://schemas.microsoft.com/office/drawing/2014/main" id="{36DF48E0-B54E-A5AE-36A0-CC52F9351A4D}"/>
+              </a:ext>
+            </a:extLst>
+          </p:cNvPr>
+          <p:cNvPicPr>
+            <a:picLocks noChangeAspect="1"/>
+          </p:cNvPicPr>
           <p:nvPr/>
-        </p:nvSpPr>
+        </p:nvPicPr>
+        <p:blipFill>
+          <a:blip r:embed="rId5"/>
+          <a:stretch>
+            <a:fillRect/>
+          </a:stretch>
+        </p:blipFill>
         <p:spPr>
           <a:xfrm>
-            <a:off x="5711688" y="1650605"/>
-            <a:ext cx="752059" cy="369332"/>
+            <a:off x="10475925" y="3076938"/>
+            <a:ext cx="1487553" cy="2402032"/>
           </a:xfrm>
           <a:prstGeom prst="rect">
             <a:avLst/>
           </a:prstGeom>
-          <a:noFill/>
         </p:spPr>
-        <p:txBody>
-          <a:bodyPr wrap="square" rtlCol="0">
-            <a:spAutoFit/>
-          </a:bodyPr>
-          <a:lstStyle/>
-          <a:p>
-            <a:r>
-              <a:rPr lang="en-US" altLang="zh-CN" b="1" dirty="0"/>
-              <a:t>X   </a:t>
-            </a:r>
-            <a:r>
-              <a:rPr lang="en-US" altLang="zh-CN" b="1" dirty="0" err="1"/>
-              <a:t>X</a:t>
-            </a:r>
-            <a:endParaRPr lang="zh-CN" altLang="en-US" b="1" dirty="0"/>
-          </a:p>
-        </p:txBody>
-      </p:sp>
-      <p:sp>
-        <p:nvSpPr>
-          <p:cNvPr id="8" name="文本框 7">
-            <a:extLst>
-              <a:ext uri="{FF2B5EF4-FFF2-40B4-BE49-F238E27FC236}">
-                <a16:creationId xmlns:a16="http://schemas.microsoft.com/office/drawing/2014/main" id="{6AD628B7-1102-486D-9943-EBC9B2675F20}"/>
-              </a:ext>
-            </a:extLst>
-          </p:cNvPr>
-          <p:cNvSpPr txBox="1"/>
-          <p:nvPr/>
-        </p:nvSpPr>
-        <p:spPr>
-          <a:xfrm>
-            <a:off x="6046304" y="1984802"/>
-            <a:ext cx="417443" cy="369332"/>
-          </a:xfrm>
-          <a:prstGeom prst="rect">
-            <a:avLst/>
-          </a:prstGeom>
-          <a:noFill/>
-        </p:spPr>
-        <p:txBody>
-          <a:bodyPr wrap="square" rtlCol="0">
-            <a:spAutoFit/>
-          </a:bodyPr>
-          <a:lstStyle/>
-          <a:p>
-            <a:r>
-              <a:rPr lang="en-US" altLang="zh-CN" b="1" dirty="0">
-                <a:solidFill>
-                  <a:schemeClr val="bg1"/>
-                </a:solidFill>
-              </a:rPr>
-              <a:t>Y</a:t>
-            </a:r>
-            <a:endParaRPr lang="zh-CN" altLang="en-US" b="1" dirty="0">
-              <a:solidFill>
-                <a:schemeClr val="bg1"/>
-              </a:solidFill>
-            </a:endParaRPr>
-          </a:p>
-        </p:txBody>
-      </p:sp>
+      </p:pic>
     </p:spTree>
     <p:extLst>
       <p:ext uri="{BB962C8B-B14F-4D97-AF65-F5344CB8AC3E}">
-        <p14:creationId xmlns:p14="http://schemas.microsoft.com/office/powerpoint/2010/main" val="1454561051"/>
+        <p14:creationId xmlns:p14="http://schemas.microsoft.com/office/powerpoint/2010/main" val="3596481314"/>
       </p:ext>
     </p:extLst>
   </p:cSld>
@@ -4593,12 +4765,41 @@
           <a:chExt cx="0" cy="0"/>
         </a:xfrm>
       </p:grpSpPr>
-      <p:sp>
-        <p:nvSpPr>
-          <p:cNvPr id="4" name="文本框 3">
-            <a:extLst>
-              <a:ext uri="{FF2B5EF4-FFF2-40B4-BE49-F238E27FC236}">
-                <a16:creationId xmlns:a16="http://schemas.microsoft.com/office/drawing/2014/main" id="{15D271E1-3E21-D62B-591C-D3B0EC80C1AF}"/>
+      <p:pic>
+        <p:nvPicPr>
+          <p:cNvPr id="4" name="图片 3">
+            <a:extLst>
+              <a:ext uri="{FF2B5EF4-FFF2-40B4-BE49-F238E27FC236}">
+                <a16:creationId xmlns:a16="http://schemas.microsoft.com/office/drawing/2014/main" id="{19168107-C583-340A-B644-3EF53B2C07C9}"/>
+              </a:ext>
+            </a:extLst>
+          </p:cNvPr>
+          <p:cNvPicPr>
+            <a:picLocks noChangeAspect="1"/>
+          </p:cNvPicPr>
+          <p:nvPr/>
+        </p:nvPicPr>
+        <p:blipFill rotWithShape="1">
+          <a:blip r:embed="rId2"/>
+          <a:srcRect l="14772" t="14723" r="20081" b="13089"/>
+          <a:stretch/>
+        </p:blipFill>
+        <p:spPr>
+          <a:xfrm>
+            <a:off x="3732143" y="575103"/>
+            <a:ext cx="3761961" cy="3747818"/>
+          </a:xfrm>
+          <a:prstGeom prst="rect">
+            <a:avLst/>
+          </a:prstGeom>
+        </p:spPr>
+      </p:pic>
+      <p:sp>
+        <p:nvSpPr>
+          <p:cNvPr id="5" name="文本框 4">
+            <a:extLst>
+              <a:ext uri="{FF2B5EF4-FFF2-40B4-BE49-F238E27FC236}">
+                <a16:creationId xmlns:a16="http://schemas.microsoft.com/office/drawing/2014/main" id="{80913BD6-6743-51CD-0481-1632CE62010D}"/>
               </a:ext>
             </a:extLst>
           </p:cNvPr>
@@ -4607,8 +4808,8 @@
         </p:nvSpPr>
         <p:spPr>
           <a:xfrm>
-            <a:off x="2105469" y="511284"/>
-            <a:ext cx="8702211" cy="1754326"/>
+            <a:off x="3392555" y="4805569"/>
+            <a:ext cx="6438073" cy="1477328"/>
           </a:xfrm>
           <a:prstGeom prst="rect">
             <a:avLst/>
@@ -4623,29 +4824,17 @@
           <a:p>
             <a:r>
               <a:rPr lang="zh-CN" altLang="en-US" dirty="0"/>
-              <a:t>二、禁入点</a:t>
+              <a:t>第一题。黑棋先下。如何吃掉白棋的子？</a:t>
             </a:r>
             <a:endParaRPr lang="en-US" altLang="zh-CN" dirty="0"/>
           </a:p>
           <a:p>
-            <a:r>
-              <a:rPr lang="zh-CN" altLang="en-US" dirty="0"/>
-              <a:t>如某方下子后，该子立即呈无气状态，同时又不能提取对方的棋子使自己变成有气的状态。这个点叫做“禁入点”。</a:t>
-            </a:r>
             <a:endParaRPr lang="en-US" altLang="zh-CN" dirty="0"/>
           </a:p>
           <a:p>
             <a:r>
               <a:rPr lang="zh-CN" altLang="en-US" dirty="0"/>
-              <a:t>如图</a:t>
-            </a:r>
-            <a:r>
-              <a:rPr lang="en-US" altLang="zh-CN" dirty="0"/>
-              <a:t>1</a:t>
-            </a:r>
-            <a:r>
-              <a:rPr lang="zh-CN" altLang="en-US" dirty="0"/>
-              <a:t>，</a:t>
+              <a:t>只可以下在</a:t>
             </a:r>
             <a:r>
               <a:rPr lang="en-US" altLang="zh-CN" dirty="0"/>
@@ -4653,114 +4842,175 @@
             </a:r>
             <a:r>
               <a:rPr lang="zh-CN" altLang="en-US" dirty="0"/>
-              <a:t>点是黑棋的禁入点。因为黑棋下在</a:t>
+              <a:t>处，吃掉白棋</a:t>
             </a:r>
             <a:r>
               <a:rPr lang="en-US" altLang="zh-CN" dirty="0"/>
+              <a:t>X</a:t>
+            </a:r>
+            <a:r>
+              <a:rPr lang="zh-CN" altLang="en-US" dirty="0"/>
+              <a:t>二子。否则无论黑棋下载哪里，白棋都</a:t>
+            </a:r>
+            <a:r>
+              <a:rPr lang="zh-CN" altLang="en-US"/>
+              <a:t>可以下在</a:t>
+            </a:r>
+            <a:r>
+              <a:rPr lang="en-US" altLang="zh-CN"/>
               <a:t>A</a:t>
             </a:r>
             <a:r>
               <a:rPr lang="zh-CN" altLang="en-US" dirty="0"/>
-              <a:t>点后没有气。</a:t>
+              <a:t>处吃掉黑棋</a:t>
+            </a:r>
+            <a:r>
+              <a:rPr lang="en-US" altLang="zh-CN" dirty="0"/>
+              <a:t>Y</a:t>
+            </a:r>
+            <a:r>
+              <a:rPr lang="zh-CN" altLang="en-US" dirty="0"/>
+              <a:t>子</a:t>
             </a:r>
             <a:endParaRPr lang="en-US" altLang="zh-CN" dirty="0"/>
           </a:p>
           <a:p>
-            <a:r>
-              <a:rPr lang="zh-CN" altLang="en-US" dirty="0"/>
-              <a:t>如图</a:t>
-            </a:r>
-            <a:r>
-              <a:rPr lang="en-US" altLang="zh-CN" dirty="0"/>
-              <a:t>2</a:t>
-            </a:r>
-            <a:r>
-              <a:rPr lang="zh-CN" altLang="en-US" dirty="0"/>
-              <a:t>，</a:t>
-            </a:r>
-            <a:r>
-              <a:rPr lang="en-US" altLang="zh-CN" dirty="0"/>
-              <a:t>A</a:t>
-            </a:r>
-            <a:r>
-              <a:rPr lang="zh-CN" altLang="en-US" dirty="0"/>
-              <a:t>点不是黑棋的禁入点，因为黑棋下在</a:t>
-            </a:r>
-            <a:r>
-              <a:rPr lang="en-US" altLang="zh-CN" dirty="0"/>
-              <a:t>A</a:t>
-            </a:r>
-            <a:r>
-              <a:rPr lang="zh-CN" altLang="en-US" dirty="0"/>
-              <a:t>点后，可以提掉白棋■的子，这样一来，黑棋的子就有气了。</a:t>
-            </a:r>
-          </a:p>
-        </p:txBody>
-      </p:sp>
-      <p:pic>
-        <p:nvPicPr>
-          <p:cNvPr id="9" name="图片 8">
-            <a:extLst>
-              <a:ext uri="{FF2B5EF4-FFF2-40B4-BE49-F238E27FC236}">
-                <a16:creationId xmlns:a16="http://schemas.microsoft.com/office/drawing/2014/main" id="{12205399-6BE7-B3F0-E99C-8F5727A0DA2D}"/>
-              </a:ext>
-            </a:extLst>
-          </p:cNvPr>
-          <p:cNvPicPr>
-            <a:picLocks noChangeAspect="1"/>
-          </p:cNvPicPr>
+            <a:endParaRPr lang="zh-CN" altLang="en-US" dirty="0"/>
+          </a:p>
+        </p:txBody>
+      </p:sp>
+      <p:sp>
+        <p:nvSpPr>
+          <p:cNvPr id="6" name="文本框 5">
+            <a:extLst>
+              <a:ext uri="{FF2B5EF4-FFF2-40B4-BE49-F238E27FC236}">
+                <a16:creationId xmlns:a16="http://schemas.microsoft.com/office/drawing/2014/main" id="{536E9761-7977-4CF0-8DC2-2690C0E5DBB2}"/>
+              </a:ext>
+            </a:extLst>
+          </p:cNvPr>
+          <p:cNvSpPr txBox="1"/>
           <p:nvPr/>
-        </p:nvPicPr>
-        <p:blipFill>
-          <a:blip r:embed="rId2"/>
-          <a:stretch>
-            <a:fillRect/>
-          </a:stretch>
-        </p:blipFill>
+        </p:nvSpPr>
         <p:spPr>
           <a:xfrm>
-            <a:off x="2194257" y="3228251"/>
-            <a:ext cx="2426418" cy="2645893"/>
+            <a:off x="5670275" y="1991429"/>
+            <a:ext cx="417443" cy="369332"/>
           </a:xfrm>
           <a:prstGeom prst="rect">
             <a:avLst/>
           </a:prstGeom>
+          <a:noFill/>
         </p:spPr>
-      </p:pic>
-      <p:pic>
-        <p:nvPicPr>
-          <p:cNvPr id="12" name="图片 11">
-            <a:extLst>
-              <a:ext uri="{FF2B5EF4-FFF2-40B4-BE49-F238E27FC236}">
-                <a16:creationId xmlns:a16="http://schemas.microsoft.com/office/drawing/2014/main" id="{2E9476A5-B212-4E89-4F92-DC3EF712E4BA}"/>
-              </a:ext>
-            </a:extLst>
-          </p:cNvPr>
-          <p:cNvPicPr>
-            <a:picLocks noChangeAspect="1"/>
-          </p:cNvPicPr>
+        <p:txBody>
+          <a:bodyPr wrap="square" rtlCol="0">
+            <a:spAutoFit/>
+          </a:bodyPr>
+          <a:lstStyle/>
+          <a:p>
+            <a:r>
+              <a:rPr lang="en-US" altLang="zh-CN" b="1" dirty="0">
+                <a:solidFill>
+                  <a:srgbClr val="FF0000"/>
+                </a:solidFill>
+              </a:rPr>
+              <a:t>A</a:t>
+            </a:r>
+            <a:endParaRPr lang="zh-CN" altLang="en-US" b="1" dirty="0">
+              <a:solidFill>
+                <a:srgbClr val="FF0000"/>
+              </a:solidFill>
+            </a:endParaRPr>
+          </a:p>
+        </p:txBody>
+      </p:sp>
+      <p:sp>
+        <p:nvSpPr>
+          <p:cNvPr id="7" name="文本框 6">
+            <a:extLst>
+              <a:ext uri="{FF2B5EF4-FFF2-40B4-BE49-F238E27FC236}">
+                <a16:creationId xmlns:a16="http://schemas.microsoft.com/office/drawing/2014/main" id="{EC6A8FAE-2EF8-C23A-3EDE-E53187F301EB}"/>
+              </a:ext>
+            </a:extLst>
+          </p:cNvPr>
+          <p:cNvSpPr txBox="1"/>
           <p:nvPr/>
-        </p:nvPicPr>
-        <p:blipFill>
-          <a:blip r:embed="rId3"/>
-          <a:stretch>
-            <a:fillRect/>
-          </a:stretch>
-        </p:blipFill>
+        </p:nvSpPr>
         <p:spPr>
           <a:xfrm>
-            <a:off x="7067623" y="3269444"/>
-            <a:ext cx="2499577" cy="2645893"/>
+            <a:off x="5711688" y="1650605"/>
+            <a:ext cx="752059" cy="369332"/>
           </a:xfrm>
           <a:prstGeom prst="rect">
             <a:avLst/>
           </a:prstGeom>
+          <a:noFill/>
         </p:spPr>
-      </p:pic>
+        <p:txBody>
+          <a:bodyPr wrap="square" rtlCol="0">
+            <a:spAutoFit/>
+          </a:bodyPr>
+          <a:lstStyle/>
+          <a:p>
+            <a:r>
+              <a:rPr lang="en-US" altLang="zh-CN" b="1" dirty="0"/>
+              <a:t>X   </a:t>
+            </a:r>
+            <a:r>
+              <a:rPr lang="en-US" altLang="zh-CN" b="1" dirty="0" err="1"/>
+              <a:t>X</a:t>
+            </a:r>
+            <a:endParaRPr lang="zh-CN" altLang="en-US" b="1" dirty="0"/>
+          </a:p>
+        </p:txBody>
+      </p:sp>
+      <p:sp>
+        <p:nvSpPr>
+          <p:cNvPr id="8" name="文本框 7">
+            <a:extLst>
+              <a:ext uri="{FF2B5EF4-FFF2-40B4-BE49-F238E27FC236}">
+                <a16:creationId xmlns:a16="http://schemas.microsoft.com/office/drawing/2014/main" id="{6AD628B7-1102-486D-9943-EBC9B2675F20}"/>
+              </a:ext>
+            </a:extLst>
+          </p:cNvPr>
+          <p:cNvSpPr txBox="1"/>
+          <p:nvPr/>
+        </p:nvSpPr>
+        <p:spPr>
+          <a:xfrm>
+            <a:off x="6046304" y="1984802"/>
+            <a:ext cx="417443" cy="369332"/>
+          </a:xfrm>
+          <a:prstGeom prst="rect">
+            <a:avLst/>
+          </a:prstGeom>
+          <a:noFill/>
+        </p:spPr>
+        <p:txBody>
+          <a:bodyPr wrap="square" rtlCol="0">
+            <a:spAutoFit/>
+          </a:bodyPr>
+          <a:lstStyle/>
+          <a:p>
+            <a:r>
+              <a:rPr lang="en-US" altLang="zh-CN" b="1" dirty="0">
+                <a:solidFill>
+                  <a:schemeClr val="bg1"/>
+                </a:solidFill>
+              </a:rPr>
+              <a:t>Y</a:t>
+            </a:r>
+            <a:endParaRPr lang="zh-CN" altLang="en-US" b="1" dirty="0">
+              <a:solidFill>
+                <a:schemeClr val="bg1"/>
+              </a:solidFill>
+            </a:endParaRPr>
+          </a:p>
+        </p:txBody>
+      </p:sp>
     </p:spTree>
     <p:extLst>
       <p:ext uri="{BB962C8B-B14F-4D97-AF65-F5344CB8AC3E}">
-        <p14:creationId xmlns:p14="http://schemas.microsoft.com/office/powerpoint/2010/main" val="2189020243"/>
+        <p14:creationId xmlns:p14="http://schemas.microsoft.com/office/powerpoint/2010/main" val="1454561051"/>
       </p:ext>
     </p:extLst>
   </p:cSld>
@@ -4789,6 +5039,227 @@
       </p:grpSpPr>
       <p:sp>
         <p:nvSpPr>
+          <p:cNvPr id="4" name="文本框 3">
+            <a:extLst>
+              <a:ext uri="{FF2B5EF4-FFF2-40B4-BE49-F238E27FC236}">
+                <a16:creationId xmlns:a16="http://schemas.microsoft.com/office/drawing/2014/main" id="{15D271E1-3E21-D62B-591C-D3B0EC80C1AF}"/>
+              </a:ext>
+            </a:extLst>
+          </p:cNvPr>
+          <p:cNvSpPr txBox="1"/>
+          <p:nvPr/>
+        </p:nvSpPr>
+        <p:spPr>
+          <a:xfrm>
+            <a:off x="157400" y="133597"/>
+            <a:ext cx="6049587" cy="4247317"/>
+          </a:xfrm>
+          <a:prstGeom prst="rect">
+            <a:avLst/>
+          </a:prstGeom>
+          <a:noFill/>
+        </p:spPr>
+        <p:txBody>
+          <a:bodyPr wrap="square" rtlCol="0">
+            <a:spAutoFit/>
+          </a:bodyPr>
+          <a:lstStyle/>
+          <a:p>
+            <a:r>
+              <a:rPr lang="zh-CN" altLang="en-US" dirty="0"/>
+              <a:t>三、禁入点</a:t>
+            </a:r>
+            <a:endParaRPr lang="en-US" altLang="zh-CN" dirty="0"/>
+          </a:p>
+          <a:p>
+            <a:endParaRPr lang="en-US" altLang="zh-CN" dirty="0"/>
+          </a:p>
+          <a:p>
+            <a:endParaRPr lang="en-US" altLang="zh-CN" dirty="0"/>
+          </a:p>
+          <a:p>
+            <a:endParaRPr lang="en-US" altLang="zh-CN" dirty="0"/>
+          </a:p>
+          <a:p>
+            <a:r>
+              <a:rPr lang="zh-CN" altLang="en-US" dirty="0"/>
+              <a:t>如某方下子后，该子立即呈无气状态，同时又不能提取对方的棋子使自己变成有气的状态。这个点叫做“禁入点”。</a:t>
+            </a:r>
+            <a:endParaRPr lang="en-US" altLang="zh-CN" dirty="0"/>
+          </a:p>
+          <a:p>
+            <a:endParaRPr lang="en-US" altLang="zh-CN" dirty="0"/>
+          </a:p>
+          <a:p>
+            <a:endParaRPr lang="en-US" altLang="zh-CN" dirty="0"/>
+          </a:p>
+          <a:p>
+            <a:endParaRPr lang="en-US" altLang="zh-CN" dirty="0"/>
+          </a:p>
+          <a:p>
+            <a:r>
+              <a:rPr lang="zh-CN" altLang="en-US" dirty="0"/>
+              <a:t>如图</a:t>
+            </a:r>
+            <a:r>
+              <a:rPr lang="en-US" altLang="zh-CN" dirty="0"/>
+              <a:t>1</a:t>
+            </a:r>
+            <a:r>
+              <a:rPr lang="zh-CN" altLang="en-US" dirty="0"/>
+              <a:t>，</a:t>
+            </a:r>
+            <a:r>
+              <a:rPr lang="en-US" altLang="zh-CN" dirty="0"/>
+              <a:t>A</a:t>
+            </a:r>
+            <a:r>
+              <a:rPr lang="zh-CN" altLang="en-US" dirty="0"/>
+              <a:t>点是黑棋的禁入点。因为黑棋下在</a:t>
+            </a:r>
+            <a:r>
+              <a:rPr lang="en-US" altLang="zh-CN" dirty="0"/>
+              <a:t>A</a:t>
+            </a:r>
+            <a:r>
+              <a:rPr lang="zh-CN" altLang="en-US" dirty="0"/>
+              <a:t>点后没有气。</a:t>
+            </a:r>
+            <a:endParaRPr lang="en-US" altLang="zh-CN" dirty="0"/>
+          </a:p>
+          <a:p>
+            <a:endParaRPr lang="en-US" altLang="zh-CN" dirty="0"/>
+          </a:p>
+          <a:p>
+            <a:endParaRPr lang="en-US" altLang="zh-CN" dirty="0"/>
+          </a:p>
+          <a:p>
+            <a:endParaRPr lang="en-US" altLang="zh-CN" dirty="0"/>
+          </a:p>
+          <a:p>
+            <a:r>
+              <a:rPr lang="zh-CN" altLang="en-US" dirty="0"/>
+              <a:t>如图</a:t>
+            </a:r>
+            <a:r>
+              <a:rPr lang="en-US" altLang="zh-CN" dirty="0"/>
+              <a:t>2</a:t>
+            </a:r>
+            <a:r>
+              <a:rPr lang="zh-CN" altLang="en-US" dirty="0"/>
+              <a:t>，</a:t>
+            </a:r>
+            <a:r>
+              <a:rPr lang="en-US" altLang="zh-CN" dirty="0"/>
+              <a:t>A</a:t>
+            </a:r>
+            <a:r>
+              <a:rPr lang="zh-CN" altLang="en-US" dirty="0"/>
+              <a:t>点不是黑棋的禁入点，因为黑棋下在</a:t>
+            </a:r>
+            <a:r>
+              <a:rPr lang="en-US" altLang="zh-CN" dirty="0"/>
+              <a:t>A</a:t>
+            </a:r>
+            <a:r>
+              <a:rPr lang="zh-CN" altLang="en-US" dirty="0"/>
+              <a:t>点后，可以提掉白棋■的子，这样一来，黑棋的子就有气了。</a:t>
+            </a:r>
+          </a:p>
+        </p:txBody>
+      </p:sp>
+      <p:pic>
+        <p:nvPicPr>
+          <p:cNvPr id="9" name="图片 8">
+            <a:extLst>
+              <a:ext uri="{FF2B5EF4-FFF2-40B4-BE49-F238E27FC236}">
+                <a16:creationId xmlns:a16="http://schemas.microsoft.com/office/drawing/2014/main" id="{12205399-6BE7-B3F0-E99C-8F5727A0DA2D}"/>
+              </a:ext>
+            </a:extLst>
+          </p:cNvPr>
+          <p:cNvPicPr>
+            <a:picLocks noChangeAspect="1"/>
+          </p:cNvPicPr>
+          <p:nvPr/>
+        </p:nvPicPr>
+        <p:blipFill>
+          <a:blip r:embed="rId2"/>
+          <a:stretch>
+            <a:fillRect/>
+          </a:stretch>
+        </p:blipFill>
+        <p:spPr>
+          <a:xfrm>
+            <a:off x="6096000" y="1538481"/>
+            <a:ext cx="2426418" cy="2645893"/>
+          </a:xfrm>
+          <a:prstGeom prst="rect">
+            <a:avLst/>
+          </a:prstGeom>
+        </p:spPr>
+      </p:pic>
+      <p:pic>
+        <p:nvPicPr>
+          <p:cNvPr id="12" name="图片 11">
+            <a:extLst>
+              <a:ext uri="{FF2B5EF4-FFF2-40B4-BE49-F238E27FC236}">
+                <a16:creationId xmlns:a16="http://schemas.microsoft.com/office/drawing/2014/main" id="{2E9476A5-B212-4E89-4F92-DC3EF712E4BA}"/>
+              </a:ext>
+            </a:extLst>
+          </p:cNvPr>
+          <p:cNvPicPr>
+            <a:picLocks noChangeAspect="1"/>
+          </p:cNvPicPr>
+          <p:nvPr/>
+        </p:nvPicPr>
+        <p:blipFill>
+          <a:blip r:embed="rId3"/>
+          <a:stretch>
+            <a:fillRect/>
+          </a:stretch>
+        </p:blipFill>
+        <p:spPr>
+          <a:xfrm>
+            <a:off x="8558492" y="3663082"/>
+            <a:ext cx="2499577" cy="2645893"/>
+          </a:xfrm>
+          <a:prstGeom prst="rect">
+            <a:avLst/>
+          </a:prstGeom>
+        </p:spPr>
+      </p:pic>
+    </p:spTree>
+    <p:extLst>
+      <p:ext uri="{BB962C8B-B14F-4D97-AF65-F5344CB8AC3E}">
+        <p14:creationId xmlns:p14="http://schemas.microsoft.com/office/powerpoint/2010/main" val="2189020243"/>
+      </p:ext>
+    </p:extLst>
+  </p:cSld>
+  <p:clrMapOvr>
+    <a:masterClrMapping/>
+  </p:clrMapOvr>
+</p:sld>
+</file>
+
+<file path=ppt/slides/slide6.xml><?xml version="1.0" encoding="utf-8"?>
+<p:sld xmlns:a="http://schemas.openxmlformats.org/drawingml/2006/main" xmlns:r="http://schemas.openxmlformats.org/officeDocument/2006/relationships" xmlns:p="http://schemas.openxmlformats.org/presentationml/2006/main">
+  <p:cSld>
+    <p:spTree>
+      <p:nvGrpSpPr>
+        <p:cNvPr id="1" name=""/>
+        <p:cNvGrpSpPr/>
+        <p:nvPr/>
+      </p:nvGrpSpPr>
+      <p:grpSpPr>
+        <a:xfrm>
+          <a:off x="0" y="0"/>
+          <a:ext cx="0" cy="0"/>
+          <a:chOff x="0" y="0"/>
+          <a:chExt cx="0" cy="0"/>
+        </a:xfrm>
+      </p:grpSpPr>
+      <p:sp>
+        <p:nvSpPr>
           <p:cNvPr id="5" name="文本框 4">
             <a:extLst>
               <a:ext uri="{FF2B5EF4-FFF2-40B4-BE49-F238E27FC236}">
@@ -4942,6 +5413,638 @@
     <p:extLst>
       <p:ext uri="{BB962C8B-B14F-4D97-AF65-F5344CB8AC3E}">
         <p14:creationId xmlns:p14="http://schemas.microsoft.com/office/powerpoint/2010/main" val="1640827913"/>
+      </p:ext>
+    </p:extLst>
+  </p:cSld>
+  <p:clrMapOvr>
+    <a:masterClrMapping/>
+  </p:clrMapOvr>
+</p:sld>
+</file>
+
+<file path=ppt/slides/slide7.xml><?xml version="1.0" encoding="utf-8"?>
+<p:sld xmlns:a="http://schemas.openxmlformats.org/drawingml/2006/main" xmlns:r="http://schemas.openxmlformats.org/officeDocument/2006/relationships" xmlns:p="http://schemas.openxmlformats.org/presentationml/2006/main">
+  <p:cSld>
+    <p:spTree>
+      <p:nvGrpSpPr>
+        <p:cNvPr id="1" name=""/>
+        <p:cNvGrpSpPr/>
+        <p:nvPr/>
+      </p:nvGrpSpPr>
+      <p:grpSpPr>
+        <a:xfrm>
+          <a:off x="0" y="0"/>
+          <a:ext cx="0" cy="0"/>
+          <a:chOff x="0" y="0"/>
+          <a:chExt cx="0" cy="0"/>
+        </a:xfrm>
+      </p:grpSpPr>
+      <p:sp>
+        <p:nvSpPr>
+          <p:cNvPr id="4" name="文本框 3">
+            <a:extLst>
+              <a:ext uri="{FF2B5EF4-FFF2-40B4-BE49-F238E27FC236}">
+                <a16:creationId xmlns:a16="http://schemas.microsoft.com/office/drawing/2014/main" id="{15D271E1-3E21-D62B-591C-D3B0EC80C1AF}"/>
+              </a:ext>
+            </a:extLst>
+          </p:cNvPr>
+          <p:cNvSpPr txBox="1"/>
+          <p:nvPr/>
+        </p:nvSpPr>
+        <p:spPr>
+          <a:xfrm>
+            <a:off x="644417" y="556010"/>
+            <a:ext cx="4976161" cy="4801314"/>
+          </a:xfrm>
+          <a:prstGeom prst="rect">
+            <a:avLst/>
+          </a:prstGeom>
+          <a:noFill/>
+        </p:spPr>
+        <p:txBody>
+          <a:bodyPr wrap="square" rtlCol="0">
+            <a:spAutoFit/>
+          </a:bodyPr>
+          <a:lstStyle/>
+          <a:p>
+            <a:r>
+              <a:rPr lang="zh-CN" altLang="en-US" dirty="0"/>
+              <a:t>四、活棋与真眼</a:t>
+            </a:r>
+            <a:endParaRPr lang="en-US" altLang="zh-CN" dirty="0"/>
+          </a:p>
+          <a:p>
+            <a:endParaRPr lang="en-US" altLang="zh-CN" dirty="0"/>
+          </a:p>
+          <a:p>
+            <a:endParaRPr lang="en-US" altLang="zh-CN" dirty="0"/>
+          </a:p>
+          <a:p>
+            <a:endParaRPr lang="en-US" altLang="zh-CN" dirty="0"/>
+          </a:p>
+          <a:p>
+            <a:r>
+              <a:rPr lang="zh-CN" altLang="en-US" dirty="0"/>
+              <a:t>如图</a:t>
+            </a:r>
+            <a:r>
+              <a:rPr lang="en-US" altLang="zh-CN" dirty="0"/>
+              <a:t>1</a:t>
+            </a:r>
+            <a:r>
+              <a:rPr lang="zh-CN" altLang="en-US" dirty="0"/>
+              <a:t>，即使白棋已经把黑棋包围起来，黑棋的这块棋依然有两个禁入点</a:t>
+            </a:r>
+            <a:r>
+              <a:rPr lang="en-US" altLang="zh-CN" dirty="0"/>
+              <a:t>A</a:t>
+            </a:r>
+            <a:r>
+              <a:rPr lang="zh-CN" altLang="en-US" dirty="0"/>
+              <a:t>和</a:t>
+            </a:r>
+            <a:r>
+              <a:rPr lang="en-US" altLang="zh-CN" dirty="0"/>
+              <a:t>B</a:t>
+            </a:r>
+            <a:r>
+              <a:rPr lang="zh-CN" altLang="en-US" dirty="0"/>
+              <a:t>，白棋不可能同时下在两个点，因此不可能提吃黑棋。这样的无法被提吃，能够留在棋盘上的棋称为“</a:t>
+            </a:r>
+            <a:r>
+              <a:rPr lang="zh-CN" altLang="en-US" b="1" dirty="0"/>
+              <a:t>活棋</a:t>
+            </a:r>
+            <a:r>
+              <a:rPr lang="zh-CN" altLang="en-US" dirty="0"/>
+              <a:t>”。</a:t>
+            </a:r>
+            <a:endParaRPr lang="en-US" altLang="zh-CN" dirty="0"/>
+          </a:p>
+          <a:p>
+            <a:endParaRPr lang="en-US" altLang="zh-CN" dirty="0"/>
+          </a:p>
+          <a:p>
+            <a:endParaRPr lang="en-US" altLang="zh-CN" dirty="0"/>
+          </a:p>
+          <a:p>
+            <a:endParaRPr lang="en-US" altLang="zh-CN" dirty="0"/>
+          </a:p>
+          <a:p>
+            <a:r>
+              <a:rPr lang="zh-CN" altLang="en-US" dirty="0"/>
+              <a:t>我们将禁入点</a:t>
+            </a:r>
+            <a:r>
+              <a:rPr lang="en-US" altLang="zh-CN" dirty="0"/>
+              <a:t>A</a:t>
+            </a:r>
+            <a:r>
+              <a:rPr lang="zh-CN" altLang="en-US" dirty="0"/>
+              <a:t>和</a:t>
+            </a:r>
+            <a:r>
+              <a:rPr lang="en-US" altLang="zh-CN" dirty="0"/>
+              <a:t>B</a:t>
+            </a:r>
+            <a:r>
+              <a:rPr lang="zh-CN" altLang="en-US" dirty="0"/>
+              <a:t>和称为“</a:t>
+            </a:r>
+            <a:r>
+              <a:rPr lang="zh-CN" altLang="en-US" b="1" dirty="0"/>
+              <a:t>真眼</a:t>
+            </a:r>
+            <a:r>
+              <a:rPr lang="zh-CN" altLang="en-US" dirty="0"/>
+              <a:t>”。当且仅当一块棋有里两只或以上的真眼，它是活棋。图二中的两块棋都是活棋，</a:t>
+            </a:r>
+            <a:r>
+              <a:rPr lang="en-US" altLang="zh-CN" dirty="0"/>
+              <a:t>A</a:t>
+            </a:r>
+            <a:r>
+              <a:rPr lang="zh-CN" altLang="en-US" dirty="0"/>
+              <a:t>、</a:t>
+            </a:r>
+            <a:r>
+              <a:rPr lang="en-US" altLang="zh-CN" dirty="0"/>
+              <a:t>B</a:t>
+            </a:r>
+            <a:r>
+              <a:rPr lang="zh-CN" altLang="en-US" dirty="0"/>
+              <a:t>、</a:t>
+            </a:r>
+            <a:r>
+              <a:rPr lang="en-US" altLang="zh-CN" dirty="0"/>
+              <a:t>C</a:t>
+            </a:r>
+            <a:r>
+              <a:rPr lang="zh-CN" altLang="en-US" dirty="0"/>
+              <a:t>、</a:t>
+            </a:r>
+            <a:r>
+              <a:rPr lang="en-US" altLang="zh-CN" dirty="0"/>
+              <a:t>D</a:t>
+            </a:r>
+            <a:r>
+              <a:rPr lang="zh-CN" altLang="en-US" dirty="0"/>
+              <a:t>都是真眼。我们可以总结出，当一只眼的四个角没有或只有一个角被挤掉，它才是真眼。</a:t>
+            </a:r>
+            <a:endParaRPr lang="en-US" altLang="zh-CN" dirty="0"/>
+          </a:p>
+          <a:p>
+            <a:endParaRPr lang="zh-CN" altLang="en-US" dirty="0"/>
+          </a:p>
+        </p:txBody>
+      </p:sp>
+      <p:pic>
+        <p:nvPicPr>
+          <p:cNvPr id="6" name="图片 5">
+            <a:extLst>
+              <a:ext uri="{FF2B5EF4-FFF2-40B4-BE49-F238E27FC236}">
+                <a16:creationId xmlns:a16="http://schemas.microsoft.com/office/drawing/2014/main" id="{8E17FC17-E008-B728-3222-DA27803FDC9A}"/>
+              </a:ext>
+            </a:extLst>
+          </p:cNvPr>
+          <p:cNvPicPr>
+            <a:picLocks noChangeAspect="1"/>
+          </p:cNvPicPr>
+          <p:nvPr/>
+        </p:nvPicPr>
+        <p:blipFill>
+          <a:blip r:embed="rId3"/>
+          <a:stretch>
+            <a:fillRect/>
+          </a:stretch>
+        </p:blipFill>
+        <p:spPr>
+          <a:xfrm>
+            <a:off x="6882340" y="2248030"/>
+            <a:ext cx="2329772" cy="2361939"/>
+          </a:xfrm>
+          <a:prstGeom prst="rect">
+            <a:avLst/>
+          </a:prstGeom>
+        </p:spPr>
+      </p:pic>
+      <p:pic>
+        <p:nvPicPr>
+          <p:cNvPr id="10" name="图片 9">
+            <a:extLst>
+              <a:ext uri="{FF2B5EF4-FFF2-40B4-BE49-F238E27FC236}">
+                <a16:creationId xmlns:a16="http://schemas.microsoft.com/office/drawing/2014/main" id="{E3A7FCD9-DE66-0EEA-2C5F-B5DD810E0D48}"/>
+              </a:ext>
+            </a:extLst>
+          </p:cNvPr>
+          <p:cNvPicPr>
+            <a:picLocks noChangeAspect="1"/>
+          </p:cNvPicPr>
+          <p:nvPr/>
+        </p:nvPicPr>
+        <p:blipFill>
+          <a:blip r:embed="rId4"/>
+          <a:stretch>
+            <a:fillRect/>
+          </a:stretch>
+        </p:blipFill>
+        <p:spPr>
+          <a:xfrm>
+            <a:off x="9611712" y="1163271"/>
+            <a:ext cx="2072820" cy="4700423"/>
+          </a:xfrm>
+          <a:prstGeom prst="rect">
+            <a:avLst/>
+          </a:prstGeom>
+        </p:spPr>
+      </p:pic>
+    </p:spTree>
+    <p:extLst>
+      <p:ext uri="{BB962C8B-B14F-4D97-AF65-F5344CB8AC3E}">
+        <p14:creationId xmlns:p14="http://schemas.microsoft.com/office/powerpoint/2010/main" val="2634317845"/>
+      </p:ext>
+    </p:extLst>
+  </p:cSld>
+  <p:clrMapOvr>
+    <a:masterClrMapping/>
+  </p:clrMapOvr>
+</p:sld>
+</file>
+
+<file path=ppt/slides/slide8.xml><?xml version="1.0" encoding="utf-8"?>
+<p:sld xmlns:a="http://schemas.openxmlformats.org/drawingml/2006/main" xmlns:r="http://schemas.openxmlformats.org/officeDocument/2006/relationships" xmlns:p="http://schemas.openxmlformats.org/presentationml/2006/main">
+  <p:cSld>
+    <p:spTree>
+      <p:nvGrpSpPr>
+        <p:cNvPr id="1" name=""/>
+        <p:cNvGrpSpPr/>
+        <p:nvPr/>
+      </p:nvGrpSpPr>
+      <p:grpSpPr>
+        <a:xfrm>
+          <a:off x="0" y="0"/>
+          <a:ext cx="0" cy="0"/>
+          <a:chOff x="0" y="0"/>
+          <a:chExt cx="0" cy="0"/>
+        </a:xfrm>
+      </p:grpSpPr>
+      <p:sp>
+        <p:nvSpPr>
+          <p:cNvPr id="5" name="文本框 4">
+            <a:extLst>
+              <a:ext uri="{FF2B5EF4-FFF2-40B4-BE49-F238E27FC236}">
+                <a16:creationId xmlns:a16="http://schemas.microsoft.com/office/drawing/2014/main" id="{80913BD6-6743-51CD-0481-1632CE62010D}"/>
+              </a:ext>
+            </a:extLst>
+          </p:cNvPr>
+          <p:cNvSpPr txBox="1"/>
+          <p:nvPr/>
+        </p:nvSpPr>
+        <p:spPr>
+          <a:xfrm>
+            <a:off x="2284342" y="3786808"/>
+            <a:ext cx="6438073" cy="1200329"/>
+          </a:xfrm>
+          <a:prstGeom prst="rect">
+            <a:avLst/>
+          </a:prstGeom>
+          <a:noFill/>
+        </p:spPr>
+        <p:txBody>
+          <a:bodyPr wrap="square" rtlCol="0">
+            <a:spAutoFit/>
+          </a:bodyPr>
+          <a:lstStyle/>
+          <a:p>
+            <a:r>
+              <a:rPr lang="zh-CN" altLang="en-US" dirty="0"/>
+              <a:t>第三题。黑棋先下，如何活棋？</a:t>
+            </a:r>
+            <a:endParaRPr lang="en-US" altLang="zh-CN" dirty="0"/>
+          </a:p>
+          <a:p>
+            <a:r>
+              <a:rPr lang="en-US" altLang="zh-CN" dirty="0"/>
+              <a:t>1</a:t>
+            </a:r>
+            <a:r>
+              <a:rPr lang="zh-CN" altLang="en-US" dirty="0"/>
+              <a:t>、黑棋只能下在</a:t>
+            </a:r>
+            <a:r>
+              <a:rPr lang="en-US" altLang="zh-CN" dirty="0"/>
+              <a:t>A</a:t>
+            </a:r>
+            <a:r>
+              <a:rPr lang="zh-CN" altLang="en-US" dirty="0"/>
+              <a:t>点做活。若黑棋下在</a:t>
+            </a:r>
+            <a:r>
+              <a:rPr lang="en-US" altLang="zh-CN" dirty="0"/>
+              <a:t>B</a:t>
+            </a:r>
+            <a:r>
+              <a:rPr lang="zh-CN" altLang="en-US" dirty="0"/>
+              <a:t>点，白棋可以下在</a:t>
+            </a:r>
+            <a:r>
+              <a:rPr lang="en-US" altLang="zh-CN" dirty="0"/>
+              <a:t>A</a:t>
+            </a:r>
+            <a:r>
+              <a:rPr lang="zh-CN" altLang="en-US" dirty="0"/>
+              <a:t>点，黑棋无法活棋。</a:t>
+            </a:r>
+            <a:endParaRPr lang="en-US" altLang="zh-CN" dirty="0"/>
+          </a:p>
+          <a:p>
+            <a:endParaRPr lang="zh-CN" altLang="en-US" dirty="0"/>
+          </a:p>
+        </p:txBody>
+      </p:sp>
+      <p:pic>
+        <p:nvPicPr>
+          <p:cNvPr id="3" name="图片 2">
+            <a:extLst>
+              <a:ext uri="{FF2B5EF4-FFF2-40B4-BE49-F238E27FC236}">
+                <a16:creationId xmlns:a16="http://schemas.microsoft.com/office/drawing/2014/main" id="{E7ADDF91-0CA4-F3A6-357D-18DE83F5434C}"/>
+              </a:ext>
+            </a:extLst>
+          </p:cNvPr>
+          <p:cNvPicPr>
+            <a:picLocks noChangeAspect="1"/>
+          </p:cNvPicPr>
+          <p:nvPr/>
+        </p:nvPicPr>
+        <p:blipFill>
+          <a:blip r:embed="rId2"/>
+          <a:stretch>
+            <a:fillRect/>
+          </a:stretch>
+        </p:blipFill>
+        <p:spPr>
+          <a:xfrm>
+            <a:off x="3820112" y="109710"/>
+            <a:ext cx="3448531" cy="3458058"/>
+          </a:xfrm>
+          <a:prstGeom prst="rect">
+            <a:avLst/>
+          </a:prstGeom>
+        </p:spPr>
+      </p:pic>
+    </p:spTree>
+    <p:extLst>
+      <p:ext uri="{BB962C8B-B14F-4D97-AF65-F5344CB8AC3E}">
+        <p14:creationId xmlns:p14="http://schemas.microsoft.com/office/powerpoint/2010/main" val="2643801818"/>
+      </p:ext>
+    </p:extLst>
+  </p:cSld>
+  <p:clrMapOvr>
+    <a:masterClrMapping/>
+  </p:clrMapOvr>
+</p:sld>
+</file>
+
+<file path=ppt/slides/slide9.xml><?xml version="1.0" encoding="utf-8"?>
+<p:sld xmlns:a="http://schemas.openxmlformats.org/drawingml/2006/main" xmlns:r="http://schemas.openxmlformats.org/officeDocument/2006/relationships" xmlns:p="http://schemas.openxmlformats.org/presentationml/2006/main">
+  <p:cSld>
+    <p:spTree>
+      <p:nvGrpSpPr>
+        <p:cNvPr id="1" name=""/>
+        <p:cNvGrpSpPr/>
+        <p:nvPr/>
+      </p:nvGrpSpPr>
+      <p:grpSpPr>
+        <a:xfrm>
+          <a:off x="0" y="0"/>
+          <a:ext cx="0" cy="0"/>
+          <a:chOff x="0" y="0"/>
+          <a:chExt cx="0" cy="0"/>
+        </a:xfrm>
+      </p:grpSpPr>
+      <p:sp>
+        <p:nvSpPr>
+          <p:cNvPr id="4" name="文本框 3">
+            <a:extLst>
+              <a:ext uri="{FF2B5EF4-FFF2-40B4-BE49-F238E27FC236}">
+                <a16:creationId xmlns:a16="http://schemas.microsoft.com/office/drawing/2014/main" id="{15D271E1-3E21-D62B-591C-D3B0EC80C1AF}"/>
+              </a:ext>
+            </a:extLst>
+          </p:cNvPr>
+          <p:cNvSpPr txBox="1"/>
+          <p:nvPr/>
+        </p:nvSpPr>
+        <p:spPr>
+          <a:xfrm>
+            <a:off x="644417" y="556010"/>
+            <a:ext cx="4976161" cy="4801314"/>
+          </a:xfrm>
+          <a:prstGeom prst="rect">
+            <a:avLst/>
+          </a:prstGeom>
+          <a:noFill/>
+        </p:spPr>
+        <p:txBody>
+          <a:bodyPr wrap="square" rtlCol="0">
+            <a:spAutoFit/>
+          </a:bodyPr>
+          <a:lstStyle/>
+          <a:p>
+            <a:r>
+              <a:rPr lang="zh-CN" altLang="en-US" dirty="0"/>
+              <a:t>四、死棋与假眼</a:t>
+            </a:r>
+            <a:endParaRPr lang="en-US" altLang="zh-CN" dirty="0"/>
+          </a:p>
+          <a:p>
+            <a:endParaRPr lang="en-US" altLang="zh-CN" dirty="0"/>
+          </a:p>
+          <a:p>
+            <a:endParaRPr lang="en-US" altLang="zh-CN" dirty="0"/>
+          </a:p>
+          <a:p>
+            <a:endParaRPr lang="en-US" altLang="zh-CN" dirty="0"/>
+          </a:p>
+          <a:p>
+            <a:r>
+              <a:rPr lang="zh-CN" altLang="en-US" dirty="0"/>
+              <a:t>如图</a:t>
+            </a:r>
+            <a:r>
+              <a:rPr lang="en-US" altLang="zh-CN" dirty="0"/>
+              <a:t>1</a:t>
+            </a:r>
+            <a:r>
+              <a:rPr lang="zh-CN" altLang="en-US" dirty="0"/>
+              <a:t>，即使白棋已经把黑棋包围起来，黑棋的这块棋依然有两个禁入点</a:t>
+            </a:r>
+            <a:r>
+              <a:rPr lang="en-US" altLang="zh-CN" dirty="0"/>
+              <a:t>A</a:t>
+            </a:r>
+            <a:r>
+              <a:rPr lang="zh-CN" altLang="en-US" dirty="0"/>
+              <a:t>和</a:t>
+            </a:r>
+            <a:r>
+              <a:rPr lang="en-US" altLang="zh-CN" dirty="0"/>
+              <a:t>B</a:t>
+            </a:r>
+            <a:r>
+              <a:rPr lang="zh-CN" altLang="en-US" dirty="0"/>
+              <a:t>，白棋不可能同时下在两个点，因此不可能提吃黑棋。这样的无法被提吃，能够留在棋盘上的棋称为“</a:t>
+            </a:r>
+            <a:r>
+              <a:rPr lang="zh-CN" altLang="en-US" b="1" dirty="0"/>
+              <a:t>活棋</a:t>
+            </a:r>
+            <a:r>
+              <a:rPr lang="zh-CN" altLang="en-US" dirty="0"/>
+              <a:t>”。</a:t>
+            </a:r>
+            <a:endParaRPr lang="en-US" altLang="zh-CN" dirty="0"/>
+          </a:p>
+          <a:p>
+            <a:endParaRPr lang="en-US" altLang="zh-CN" dirty="0"/>
+          </a:p>
+          <a:p>
+            <a:endParaRPr lang="en-US" altLang="zh-CN" dirty="0"/>
+          </a:p>
+          <a:p>
+            <a:endParaRPr lang="en-US" altLang="zh-CN" dirty="0"/>
+          </a:p>
+          <a:p>
+            <a:r>
+              <a:rPr lang="zh-CN" altLang="en-US" dirty="0"/>
+              <a:t>我们将禁入点</a:t>
+            </a:r>
+            <a:r>
+              <a:rPr lang="en-US" altLang="zh-CN" dirty="0"/>
+              <a:t>A</a:t>
+            </a:r>
+            <a:r>
+              <a:rPr lang="zh-CN" altLang="en-US" dirty="0"/>
+              <a:t>和</a:t>
+            </a:r>
+            <a:r>
+              <a:rPr lang="en-US" altLang="zh-CN" dirty="0"/>
+              <a:t>B</a:t>
+            </a:r>
+            <a:r>
+              <a:rPr lang="zh-CN" altLang="en-US" dirty="0"/>
+              <a:t>和称为“</a:t>
+            </a:r>
+            <a:r>
+              <a:rPr lang="zh-CN" altLang="en-US" b="1" dirty="0"/>
+              <a:t>真眼</a:t>
+            </a:r>
+            <a:r>
+              <a:rPr lang="zh-CN" altLang="en-US" dirty="0"/>
+              <a:t>”。当且仅当一块棋有里两只或以上的真眼，它是活棋。图二中的两块棋都是活棋，</a:t>
+            </a:r>
+            <a:r>
+              <a:rPr lang="en-US" altLang="zh-CN" dirty="0"/>
+              <a:t>A</a:t>
+            </a:r>
+            <a:r>
+              <a:rPr lang="zh-CN" altLang="en-US" dirty="0"/>
+              <a:t>、</a:t>
+            </a:r>
+            <a:r>
+              <a:rPr lang="en-US" altLang="zh-CN" dirty="0"/>
+              <a:t>B</a:t>
+            </a:r>
+            <a:r>
+              <a:rPr lang="zh-CN" altLang="en-US" dirty="0"/>
+              <a:t>、</a:t>
+            </a:r>
+            <a:r>
+              <a:rPr lang="en-US" altLang="zh-CN" dirty="0"/>
+              <a:t>C</a:t>
+            </a:r>
+            <a:r>
+              <a:rPr lang="zh-CN" altLang="en-US" dirty="0"/>
+              <a:t>、</a:t>
+            </a:r>
+            <a:r>
+              <a:rPr lang="en-US" altLang="zh-CN" dirty="0"/>
+              <a:t>D</a:t>
+            </a:r>
+            <a:r>
+              <a:rPr lang="zh-CN" altLang="en-US" dirty="0"/>
+              <a:t>都是真眼。我们可以总结出，当一只眼的四个角没有或只有一个角被挤掉，它才是真眼。</a:t>
+            </a:r>
+            <a:endParaRPr lang="en-US" altLang="zh-CN" dirty="0"/>
+          </a:p>
+          <a:p>
+            <a:endParaRPr lang="zh-CN" altLang="en-US" dirty="0"/>
+          </a:p>
+        </p:txBody>
+      </p:sp>
+      <p:pic>
+        <p:nvPicPr>
+          <p:cNvPr id="6" name="图片 5">
+            <a:extLst>
+              <a:ext uri="{FF2B5EF4-FFF2-40B4-BE49-F238E27FC236}">
+                <a16:creationId xmlns:a16="http://schemas.microsoft.com/office/drawing/2014/main" id="{8E17FC17-E008-B728-3222-DA27803FDC9A}"/>
+              </a:ext>
+            </a:extLst>
+          </p:cNvPr>
+          <p:cNvPicPr>
+            <a:picLocks noChangeAspect="1"/>
+          </p:cNvPicPr>
+          <p:nvPr/>
+        </p:nvPicPr>
+        <p:blipFill>
+          <a:blip r:embed="rId3"/>
+          <a:stretch>
+            <a:fillRect/>
+          </a:stretch>
+        </p:blipFill>
+        <p:spPr>
+          <a:xfrm>
+            <a:off x="6882340" y="2248030"/>
+            <a:ext cx="2329772" cy="2361939"/>
+          </a:xfrm>
+          <a:prstGeom prst="rect">
+            <a:avLst/>
+          </a:prstGeom>
+        </p:spPr>
+      </p:pic>
+      <p:pic>
+        <p:nvPicPr>
+          <p:cNvPr id="10" name="图片 9">
+            <a:extLst>
+              <a:ext uri="{FF2B5EF4-FFF2-40B4-BE49-F238E27FC236}">
+                <a16:creationId xmlns:a16="http://schemas.microsoft.com/office/drawing/2014/main" id="{E3A7FCD9-DE66-0EEA-2C5F-B5DD810E0D48}"/>
+              </a:ext>
+            </a:extLst>
+          </p:cNvPr>
+          <p:cNvPicPr>
+            <a:picLocks noChangeAspect="1"/>
+          </p:cNvPicPr>
+          <p:nvPr/>
+        </p:nvPicPr>
+        <p:blipFill>
+          <a:blip r:embed="rId4"/>
+          <a:stretch>
+            <a:fillRect/>
+          </a:stretch>
+        </p:blipFill>
+        <p:spPr>
+          <a:xfrm>
+            <a:off x="9611712" y="1163271"/>
+            <a:ext cx="2072820" cy="4700423"/>
+          </a:xfrm>
+          <a:prstGeom prst="rect">
+            <a:avLst/>
+          </a:prstGeom>
+        </p:spPr>
+      </p:pic>
+    </p:spTree>
+    <p:extLst>
+      <p:ext uri="{BB962C8B-B14F-4D97-AF65-F5344CB8AC3E}">
+        <p14:creationId xmlns:p14="http://schemas.microsoft.com/office/powerpoint/2010/main" val="1267104689"/>
       </p:ext>
     </p:extLst>
   </p:cSld>
